--- a/doc/slides.pptx
+++ b/doc/slides.pptx
@@ -7,6 +7,8 @@
   <p:sldIdLst>
     <p:sldId id="256" r:id="rId2"/>
     <p:sldId id="257" r:id="rId3"/>
+    <p:sldId id="258" r:id="rId4"/>
+    <p:sldId id="259" r:id="rId5"/>
   </p:sldIdLst>
   <p:sldSz cx="12192000" cy="6858000"/>
   <p:notesSz cx="6858000" cy="9144000"/>
@@ -272,7 +274,7 @@
           <a:lstStyle/>
           <a:p>
             <a:fld id="{31CAA46B-2303-054C-ABE8-D8274DAD4F84}" type="datetimeFigureOut">
-              <a:t>2023. 6. 6.</a:t>
+              <a:t>2023. 6. 10.</a:t>
             </a:fld>
             <a:endParaRPr kumimoji="1" lang="ko-Kore-KR" altLang="en-US"/>
           </a:p>
@@ -470,7 +472,7 @@
           <a:lstStyle/>
           <a:p>
             <a:fld id="{31CAA46B-2303-054C-ABE8-D8274DAD4F84}" type="datetimeFigureOut">
-              <a:t>2023. 6. 6.</a:t>
+              <a:t>2023. 6. 10.</a:t>
             </a:fld>
             <a:endParaRPr kumimoji="1" lang="ko-Kore-KR" altLang="en-US"/>
           </a:p>
@@ -678,7 +680,7 @@
           <a:lstStyle/>
           <a:p>
             <a:fld id="{31CAA46B-2303-054C-ABE8-D8274DAD4F84}" type="datetimeFigureOut">
-              <a:t>2023. 6. 6.</a:t>
+              <a:t>2023. 6. 10.</a:t>
             </a:fld>
             <a:endParaRPr kumimoji="1" lang="ko-Kore-KR" altLang="en-US"/>
           </a:p>
@@ -876,7 +878,7 @@
           <a:lstStyle/>
           <a:p>
             <a:fld id="{31CAA46B-2303-054C-ABE8-D8274DAD4F84}" type="datetimeFigureOut">
-              <a:t>2023. 6. 6.</a:t>
+              <a:t>2023. 6. 10.</a:t>
             </a:fld>
             <a:endParaRPr kumimoji="1" lang="ko-Kore-KR" altLang="en-US"/>
           </a:p>
@@ -1150,7 +1152,7 @@
           <a:lstStyle/>
           <a:p>
             <a:fld id="{31CAA46B-2303-054C-ABE8-D8274DAD4F84}" type="datetimeFigureOut">
-              <a:t>2023. 6. 6.</a:t>
+              <a:t>2023. 6. 10.</a:t>
             </a:fld>
             <a:endParaRPr kumimoji="1" lang="ko-Kore-KR" altLang="en-US"/>
           </a:p>
@@ -1416,7 +1418,7 @@
           <a:lstStyle/>
           <a:p>
             <a:fld id="{31CAA46B-2303-054C-ABE8-D8274DAD4F84}" type="datetimeFigureOut">
-              <a:t>2023. 6. 6.</a:t>
+              <a:t>2023. 6. 10.</a:t>
             </a:fld>
             <a:endParaRPr kumimoji="1" lang="ko-Kore-KR" altLang="en-US"/>
           </a:p>
@@ -1829,7 +1831,7 @@
           <a:lstStyle/>
           <a:p>
             <a:fld id="{31CAA46B-2303-054C-ABE8-D8274DAD4F84}" type="datetimeFigureOut">
-              <a:t>2023. 6. 6.</a:t>
+              <a:t>2023. 6. 10.</a:t>
             </a:fld>
             <a:endParaRPr kumimoji="1" lang="ko-Kore-KR" altLang="en-US"/>
           </a:p>
@@ -1969,7 +1971,7 @@
           <a:lstStyle/>
           <a:p>
             <a:fld id="{31CAA46B-2303-054C-ABE8-D8274DAD4F84}" type="datetimeFigureOut">
-              <a:t>2023. 6. 6.</a:t>
+              <a:t>2023. 6. 10.</a:t>
             </a:fld>
             <a:endParaRPr kumimoji="1" lang="ko-Kore-KR" altLang="en-US"/>
           </a:p>
@@ -2080,7 +2082,7 @@
           <a:lstStyle/>
           <a:p>
             <a:fld id="{31CAA46B-2303-054C-ABE8-D8274DAD4F84}" type="datetimeFigureOut">
-              <a:t>2023. 6. 6.</a:t>
+              <a:t>2023. 6. 10.</a:t>
             </a:fld>
             <a:endParaRPr kumimoji="1" lang="ko-Kore-KR" altLang="en-US"/>
           </a:p>
@@ -2391,7 +2393,7 @@
           <a:lstStyle/>
           <a:p>
             <a:fld id="{31CAA46B-2303-054C-ABE8-D8274DAD4F84}" type="datetimeFigureOut">
-              <a:t>2023. 6. 6.</a:t>
+              <a:t>2023. 6. 10.</a:t>
             </a:fld>
             <a:endParaRPr kumimoji="1" lang="ko-Kore-KR" altLang="en-US"/>
           </a:p>
@@ -2678,7 +2680,7 @@
           <a:lstStyle/>
           <a:p>
             <a:fld id="{31CAA46B-2303-054C-ABE8-D8274DAD4F84}" type="datetimeFigureOut">
-              <a:t>2023. 6. 6.</a:t>
+              <a:t>2023. 6. 10.</a:t>
             </a:fld>
             <a:endParaRPr kumimoji="1" lang="ko-Kore-KR" altLang="en-US"/>
           </a:p>
@@ -2919,7 +2921,7 @@
           </a:lstStyle>
           <a:p>
             <a:fld id="{31CAA46B-2303-054C-ABE8-D8274DAD4F84}" type="datetimeFigureOut">
-              <a:t>2023. 6. 6.</a:t>
+              <a:t>2023. 6. 10.</a:t>
             </a:fld>
             <a:endParaRPr kumimoji="1" lang="ko-Kore-KR" altLang="en-US"/>
           </a:p>
@@ -6607,6 +6609,1131 @@
 </p:sld>
 </file>
 
+<file path=ppt/slides/slide3.xml><?xml version="1.0" encoding="utf-8"?>
+<p:sld xmlns:a="http://schemas.openxmlformats.org/drawingml/2006/main" xmlns:r="http://schemas.openxmlformats.org/officeDocument/2006/relationships" xmlns:p="http://schemas.openxmlformats.org/presentationml/2006/main">
+  <p:cSld>
+    <p:spTree>
+      <p:nvGrpSpPr>
+        <p:cNvPr id="1" name=""/>
+        <p:cNvGrpSpPr/>
+        <p:nvPr/>
+      </p:nvGrpSpPr>
+      <p:grpSpPr>
+        <a:xfrm>
+          <a:off x="0" y="0"/>
+          <a:ext cx="0" cy="0"/>
+          <a:chOff x="0" y="0"/>
+          <a:chExt cx="0" cy="0"/>
+        </a:xfrm>
+      </p:grpSpPr>
+      <p:sp>
+        <p:nvSpPr>
+          <p:cNvPr id="4" name="타원 3">
+            <a:extLst>
+              <a:ext uri="{FF2B5EF4-FFF2-40B4-BE49-F238E27FC236}">
+                <a16:creationId xmlns:a16="http://schemas.microsoft.com/office/drawing/2014/main" id="{3E23C1EE-44FD-FD8A-27C7-19F3FB20E5E2}"/>
+              </a:ext>
+            </a:extLst>
+          </p:cNvPr>
+          <p:cNvSpPr/>
+          <p:nvPr/>
+        </p:nvSpPr>
+        <p:spPr>
+          <a:xfrm>
+            <a:off x="848032" y="1253613"/>
+            <a:ext cx="2728452" cy="1157748"/>
+          </a:xfrm>
+          <a:prstGeom prst="ellipse">
+            <a:avLst/>
+          </a:prstGeom>
+        </p:spPr>
+        <p:style>
+          <a:lnRef idx="2">
+            <a:schemeClr val="accent1">
+              <a:shade val="15000"/>
+            </a:schemeClr>
+          </a:lnRef>
+          <a:fillRef idx="1">
+            <a:schemeClr val="accent1"/>
+          </a:fillRef>
+          <a:effectRef idx="0">
+            <a:schemeClr val="accent1"/>
+          </a:effectRef>
+          <a:fontRef idx="minor">
+            <a:schemeClr val="lt1"/>
+          </a:fontRef>
+        </p:style>
+        <p:txBody>
+          <a:bodyPr rtlCol="0" anchor="ctr"/>
+          <a:lstStyle/>
+          <a:p>
+            <a:pPr algn="ctr"/>
+            <a:r>
+              <a:rPr kumimoji="1" lang="ko-Kore-KR" altLang="en-US"/>
+              <a:t>스레드</a:t>
+            </a:r>
+            <a:r>
+              <a:rPr kumimoji="1" lang="ko-KR" altLang="en-US"/>
+              <a:t> 객체 생성</a:t>
+            </a:r>
+            <a:br>
+              <a:rPr kumimoji="1" lang="en-US" altLang="ko-KR"/>
+            </a:br>
+            <a:r>
+              <a:rPr kumimoji="1" lang="en-US" altLang="ko-KR"/>
+              <a:t>NEW</a:t>
+            </a:r>
+            <a:endParaRPr kumimoji="1" lang="ko-Kore-KR" altLang="en-US"/>
+          </a:p>
+        </p:txBody>
+      </p:sp>
+      <p:sp>
+        <p:nvSpPr>
+          <p:cNvPr id="5" name="타원 4">
+            <a:extLst>
+              <a:ext uri="{FF2B5EF4-FFF2-40B4-BE49-F238E27FC236}">
+                <a16:creationId xmlns:a16="http://schemas.microsoft.com/office/drawing/2014/main" id="{7616A120-733B-F481-91B6-CA5EE2824BB9}"/>
+              </a:ext>
+            </a:extLst>
+          </p:cNvPr>
+          <p:cNvSpPr/>
+          <p:nvPr/>
+        </p:nvSpPr>
+        <p:spPr>
+          <a:xfrm>
+            <a:off x="5373329" y="1253613"/>
+            <a:ext cx="2728452" cy="1157748"/>
+          </a:xfrm>
+          <a:prstGeom prst="ellipse">
+            <a:avLst/>
+          </a:prstGeom>
+        </p:spPr>
+        <p:style>
+          <a:lnRef idx="2">
+            <a:schemeClr val="accent1">
+              <a:shade val="15000"/>
+            </a:schemeClr>
+          </a:lnRef>
+          <a:fillRef idx="1">
+            <a:schemeClr val="accent1"/>
+          </a:fillRef>
+          <a:effectRef idx="0">
+            <a:schemeClr val="accent1"/>
+          </a:effectRef>
+          <a:fontRef idx="minor">
+            <a:schemeClr val="lt1"/>
+          </a:fontRef>
+        </p:style>
+        <p:txBody>
+          <a:bodyPr rtlCol="0" anchor="ctr"/>
+          <a:lstStyle/>
+          <a:p>
+            <a:pPr algn="ctr"/>
+            <a:r>
+              <a:rPr kumimoji="1" lang="ko-Kore-KR" altLang="en-US"/>
+              <a:t>실행</a:t>
+            </a:r>
+            <a:r>
+              <a:rPr kumimoji="1" lang="ko-KR" altLang="en-US"/>
+              <a:t> 대기</a:t>
+            </a:r>
+            <a:br>
+              <a:rPr kumimoji="1" lang="en-US" altLang="ko-KR"/>
+            </a:br>
+            <a:r>
+              <a:rPr kumimoji="1" lang="en-US" altLang="ko-KR"/>
+              <a:t>RUNNABLE</a:t>
+            </a:r>
+          </a:p>
+        </p:txBody>
+      </p:sp>
+      <p:sp>
+        <p:nvSpPr>
+          <p:cNvPr id="6" name="타원 5">
+            <a:extLst>
+              <a:ext uri="{FF2B5EF4-FFF2-40B4-BE49-F238E27FC236}">
+                <a16:creationId xmlns:a16="http://schemas.microsoft.com/office/drawing/2014/main" id="{1D06C513-C6A0-2141-86CC-E602CCBCB4A3}"/>
+              </a:ext>
+            </a:extLst>
+          </p:cNvPr>
+          <p:cNvSpPr/>
+          <p:nvPr/>
+        </p:nvSpPr>
+        <p:spPr>
+          <a:xfrm>
+            <a:off x="2145483" y="4033684"/>
+            <a:ext cx="1946413" cy="825910"/>
+          </a:xfrm>
+          <a:prstGeom prst="ellipse">
+            <a:avLst/>
+          </a:prstGeom>
+        </p:spPr>
+        <p:style>
+          <a:lnRef idx="2">
+            <a:schemeClr val="accent1">
+              <a:shade val="15000"/>
+            </a:schemeClr>
+          </a:lnRef>
+          <a:fillRef idx="1">
+            <a:schemeClr val="accent1"/>
+          </a:fillRef>
+          <a:effectRef idx="0">
+            <a:schemeClr val="accent1"/>
+          </a:effectRef>
+          <a:fontRef idx="minor">
+            <a:schemeClr val="lt1"/>
+          </a:fontRef>
+        </p:style>
+        <p:txBody>
+          <a:bodyPr rtlCol="0" anchor="ctr"/>
+          <a:lstStyle/>
+          <a:p>
+            <a:pPr algn="ctr"/>
+            <a:r>
+              <a:rPr kumimoji="1" lang="ko-KR" altLang="en-US"/>
+              <a:t>일시정지</a:t>
+            </a:r>
+            <a:endParaRPr kumimoji="1" lang="en-US" altLang="ko-KR"/>
+          </a:p>
+        </p:txBody>
+      </p:sp>
+      <p:sp>
+        <p:nvSpPr>
+          <p:cNvPr id="7" name="타원 6">
+            <a:extLst>
+              <a:ext uri="{FF2B5EF4-FFF2-40B4-BE49-F238E27FC236}">
+                <a16:creationId xmlns:a16="http://schemas.microsoft.com/office/drawing/2014/main" id="{12E770EB-D4DD-0F79-F99F-72760FE34F49}"/>
+              </a:ext>
+            </a:extLst>
+          </p:cNvPr>
+          <p:cNvSpPr/>
+          <p:nvPr/>
+        </p:nvSpPr>
+        <p:spPr>
+          <a:xfrm>
+            <a:off x="5105029" y="4033685"/>
+            <a:ext cx="1946413" cy="825910"/>
+          </a:xfrm>
+          <a:prstGeom prst="ellipse">
+            <a:avLst/>
+          </a:prstGeom>
+          <a:noFill/>
+        </p:spPr>
+        <p:style>
+          <a:lnRef idx="2">
+            <a:schemeClr val="accent1">
+              <a:shade val="15000"/>
+            </a:schemeClr>
+          </a:lnRef>
+          <a:fillRef idx="1">
+            <a:schemeClr val="accent1"/>
+          </a:fillRef>
+          <a:effectRef idx="0">
+            <a:schemeClr val="accent1"/>
+          </a:effectRef>
+          <a:fontRef idx="minor">
+            <a:schemeClr val="lt1"/>
+          </a:fontRef>
+        </p:style>
+        <p:txBody>
+          <a:bodyPr rtlCol="0" anchor="ctr"/>
+          <a:lstStyle/>
+          <a:p>
+            <a:pPr algn="ctr"/>
+            <a:r>
+              <a:rPr kumimoji="1" lang="ko-KR" altLang="en-US">
+                <a:solidFill>
+                  <a:schemeClr val="tx1"/>
+                </a:solidFill>
+              </a:rPr>
+              <a:t>실행</a:t>
+            </a:r>
+            <a:endParaRPr kumimoji="1" lang="en-US" altLang="ko-KR">
+              <a:solidFill>
+                <a:schemeClr val="tx1"/>
+              </a:solidFill>
+            </a:endParaRPr>
+          </a:p>
+        </p:txBody>
+      </p:sp>
+      <p:sp>
+        <p:nvSpPr>
+          <p:cNvPr id="8" name="타원 7">
+            <a:extLst>
+              <a:ext uri="{FF2B5EF4-FFF2-40B4-BE49-F238E27FC236}">
+                <a16:creationId xmlns:a16="http://schemas.microsoft.com/office/drawing/2014/main" id="{B76CD64F-AB09-CE15-1272-10EC964953AD}"/>
+              </a:ext>
+            </a:extLst>
+          </p:cNvPr>
+          <p:cNvSpPr/>
+          <p:nvPr/>
+        </p:nvSpPr>
+        <p:spPr>
+          <a:xfrm>
+            <a:off x="8641361" y="3912010"/>
+            <a:ext cx="2362199" cy="1069259"/>
+          </a:xfrm>
+          <a:prstGeom prst="ellipse">
+            <a:avLst/>
+          </a:prstGeom>
+        </p:spPr>
+        <p:style>
+          <a:lnRef idx="2">
+            <a:schemeClr val="accent1">
+              <a:shade val="15000"/>
+            </a:schemeClr>
+          </a:lnRef>
+          <a:fillRef idx="1">
+            <a:schemeClr val="accent1"/>
+          </a:fillRef>
+          <a:effectRef idx="0">
+            <a:schemeClr val="accent1"/>
+          </a:effectRef>
+          <a:fontRef idx="minor">
+            <a:schemeClr val="lt1"/>
+          </a:fontRef>
+        </p:style>
+        <p:txBody>
+          <a:bodyPr rtlCol="0" anchor="ctr"/>
+          <a:lstStyle/>
+          <a:p>
+            <a:pPr algn="ctr"/>
+            <a:r>
+              <a:rPr kumimoji="1" lang="ko-KR" altLang="en-US"/>
+              <a:t>종료</a:t>
+            </a:r>
+            <a:br>
+              <a:rPr kumimoji="1" lang="en-US" altLang="ko-KR"/>
+            </a:br>
+            <a:r>
+              <a:rPr kumimoji="1" lang="en-US" altLang="ko-KR"/>
+              <a:t>TERMINATED</a:t>
+            </a:r>
+          </a:p>
+        </p:txBody>
+      </p:sp>
+      <p:cxnSp>
+        <p:nvCxnSpPr>
+          <p:cNvPr id="10" name="직선 화살표 연결선 9">
+            <a:extLst>
+              <a:ext uri="{FF2B5EF4-FFF2-40B4-BE49-F238E27FC236}">
+                <a16:creationId xmlns:a16="http://schemas.microsoft.com/office/drawing/2014/main" id="{9CF127CD-C84D-BABE-3259-A278672F28AF}"/>
+              </a:ext>
+            </a:extLst>
+          </p:cNvPr>
+          <p:cNvCxnSpPr>
+            <a:stCxn id="4" idx="6"/>
+            <a:endCxn id="5" idx="2"/>
+          </p:cNvCxnSpPr>
+          <p:nvPr/>
+        </p:nvCxnSpPr>
+        <p:spPr>
+          <a:xfrm>
+            <a:off x="3576484" y="1832487"/>
+            <a:ext cx="1796845" cy="0"/>
+          </a:xfrm>
+          <a:prstGeom prst="straightConnector1">
+            <a:avLst/>
+          </a:prstGeom>
+          <a:ln w="63500">
+            <a:headEnd w="lg" len="med"/>
+            <a:tailEnd type="triangle"/>
+          </a:ln>
+        </p:spPr>
+        <p:style>
+          <a:lnRef idx="1">
+            <a:schemeClr val="accent1"/>
+          </a:lnRef>
+          <a:fillRef idx="0">
+            <a:schemeClr val="accent1"/>
+          </a:fillRef>
+          <a:effectRef idx="0">
+            <a:schemeClr val="accent1"/>
+          </a:effectRef>
+          <a:fontRef idx="minor">
+            <a:schemeClr val="tx1"/>
+          </a:fontRef>
+        </p:style>
+      </p:cxnSp>
+      <p:sp>
+        <p:nvSpPr>
+          <p:cNvPr id="11" name="TextBox 10">
+            <a:extLst>
+              <a:ext uri="{FF2B5EF4-FFF2-40B4-BE49-F238E27FC236}">
+                <a16:creationId xmlns:a16="http://schemas.microsoft.com/office/drawing/2014/main" id="{943D0567-C19B-CBA5-3DD5-1CBEF671B068}"/>
+              </a:ext>
+            </a:extLst>
+          </p:cNvPr>
+          <p:cNvSpPr txBox="1"/>
+          <p:nvPr/>
+        </p:nvSpPr>
+        <p:spPr>
+          <a:xfrm>
+            <a:off x="3949737" y="1360377"/>
+            <a:ext cx="754758" cy="369332"/>
+          </a:xfrm>
+          <a:prstGeom prst="rect">
+            <a:avLst/>
+          </a:prstGeom>
+          <a:noFill/>
+        </p:spPr>
+        <p:txBody>
+          <a:bodyPr wrap="none" rtlCol="0">
+            <a:spAutoFit/>
+          </a:bodyPr>
+          <a:lstStyle/>
+          <a:p>
+            <a:r>
+              <a:rPr kumimoji="1" lang="en-US" altLang="ko-Kore-KR"/>
+              <a:t>start()</a:t>
+            </a:r>
+            <a:endParaRPr kumimoji="1" lang="ko-Kore-KR" altLang="en-US"/>
+          </a:p>
+        </p:txBody>
+      </p:sp>
+      <p:cxnSp>
+        <p:nvCxnSpPr>
+          <p:cNvPr id="12" name="직선 화살표 연결선 11">
+            <a:extLst>
+              <a:ext uri="{FF2B5EF4-FFF2-40B4-BE49-F238E27FC236}">
+                <a16:creationId xmlns:a16="http://schemas.microsoft.com/office/drawing/2014/main" id="{097729C6-F1B4-0831-5E48-E3F8A260BAD9}"/>
+              </a:ext>
+            </a:extLst>
+          </p:cNvPr>
+          <p:cNvCxnSpPr>
+            <a:cxnSpLocks/>
+            <a:stCxn id="6" idx="0"/>
+            <a:endCxn id="5" idx="3"/>
+          </p:cNvCxnSpPr>
+          <p:nvPr/>
+        </p:nvCxnSpPr>
+        <p:spPr>
+          <a:xfrm flipV="1">
+            <a:off x="3118690" y="2241813"/>
+            <a:ext cx="2654212" cy="1791871"/>
+          </a:xfrm>
+          <a:prstGeom prst="straightConnector1">
+            <a:avLst/>
+          </a:prstGeom>
+          <a:ln w="63500">
+            <a:headEnd w="lg" len="med"/>
+            <a:tailEnd type="triangle"/>
+          </a:ln>
+        </p:spPr>
+        <p:style>
+          <a:lnRef idx="1">
+            <a:schemeClr val="accent1"/>
+          </a:lnRef>
+          <a:fillRef idx="0">
+            <a:schemeClr val="accent1"/>
+          </a:fillRef>
+          <a:effectRef idx="0">
+            <a:schemeClr val="accent1"/>
+          </a:effectRef>
+          <a:fontRef idx="minor">
+            <a:schemeClr val="tx1"/>
+          </a:fontRef>
+        </p:style>
+      </p:cxnSp>
+      <p:cxnSp>
+        <p:nvCxnSpPr>
+          <p:cNvPr id="22" name="직선 화살표 연결선 21">
+            <a:extLst>
+              <a:ext uri="{FF2B5EF4-FFF2-40B4-BE49-F238E27FC236}">
+                <a16:creationId xmlns:a16="http://schemas.microsoft.com/office/drawing/2014/main" id="{9BFC2F95-9F27-A207-6AE8-4BBCA21B66BF}"/>
+              </a:ext>
+            </a:extLst>
+          </p:cNvPr>
+          <p:cNvCxnSpPr>
+            <a:stCxn id="5" idx="4"/>
+            <a:endCxn id="7" idx="0"/>
+          </p:cNvCxnSpPr>
+          <p:nvPr/>
+        </p:nvCxnSpPr>
+        <p:spPr>
+          <a:xfrm flipH="1">
+            <a:off x="6078236" y="2411361"/>
+            <a:ext cx="659319" cy="1622324"/>
+          </a:xfrm>
+          <a:prstGeom prst="straightConnector1">
+            <a:avLst/>
+          </a:prstGeom>
+          <a:ln w="63500">
+            <a:headEnd type="triangle"/>
+            <a:tailEnd type="triangle"/>
+          </a:ln>
+        </p:spPr>
+        <p:style>
+          <a:lnRef idx="1">
+            <a:schemeClr val="accent1"/>
+          </a:lnRef>
+          <a:fillRef idx="0">
+            <a:schemeClr val="accent1"/>
+          </a:fillRef>
+          <a:effectRef idx="0">
+            <a:schemeClr val="accent1"/>
+          </a:effectRef>
+          <a:fontRef idx="minor">
+            <a:schemeClr val="tx1"/>
+          </a:fontRef>
+        </p:style>
+      </p:cxnSp>
+      <p:cxnSp>
+        <p:nvCxnSpPr>
+          <p:cNvPr id="23" name="직선 화살표 연결선 22">
+            <a:extLst>
+              <a:ext uri="{FF2B5EF4-FFF2-40B4-BE49-F238E27FC236}">
+                <a16:creationId xmlns:a16="http://schemas.microsoft.com/office/drawing/2014/main" id="{17A5C47C-8309-2DF1-FE97-7E488DF0F036}"/>
+              </a:ext>
+            </a:extLst>
+          </p:cNvPr>
+          <p:cNvCxnSpPr>
+            <a:cxnSpLocks/>
+            <a:stCxn id="7" idx="2"/>
+            <a:endCxn id="6" idx="6"/>
+          </p:cNvCxnSpPr>
+          <p:nvPr/>
+        </p:nvCxnSpPr>
+        <p:spPr>
+          <a:xfrm flipH="1" flipV="1">
+            <a:off x="4091896" y="4446639"/>
+            <a:ext cx="1013133" cy="1"/>
+          </a:xfrm>
+          <a:prstGeom prst="straightConnector1">
+            <a:avLst/>
+          </a:prstGeom>
+          <a:ln w="63500">
+            <a:headEnd w="lg" len="med"/>
+            <a:tailEnd type="triangle"/>
+          </a:ln>
+        </p:spPr>
+        <p:style>
+          <a:lnRef idx="1">
+            <a:schemeClr val="accent1"/>
+          </a:lnRef>
+          <a:fillRef idx="0">
+            <a:schemeClr val="accent1"/>
+          </a:fillRef>
+          <a:effectRef idx="0">
+            <a:schemeClr val="accent1"/>
+          </a:effectRef>
+          <a:fontRef idx="minor">
+            <a:schemeClr val="tx1"/>
+          </a:fontRef>
+        </p:style>
+      </p:cxnSp>
+      <p:cxnSp>
+        <p:nvCxnSpPr>
+          <p:cNvPr id="26" name="직선 화살표 연결선 25">
+            <a:extLst>
+              <a:ext uri="{FF2B5EF4-FFF2-40B4-BE49-F238E27FC236}">
+                <a16:creationId xmlns:a16="http://schemas.microsoft.com/office/drawing/2014/main" id="{6469CC17-5EDC-E5A2-11FC-43C594C3DD9F}"/>
+              </a:ext>
+            </a:extLst>
+          </p:cNvPr>
+          <p:cNvCxnSpPr>
+            <a:cxnSpLocks/>
+            <a:stCxn id="7" idx="6"/>
+            <a:endCxn id="8" idx="2"/>
+          </p:cNvCxnSpPr>
+          <p:nvPr/>
+        </p:nvCxnSpPr>
+        <p:spPr>
+          <a:xfrm>
+            <a:off x="7051442" y="4446640"/>
+            <a:ext cx="1589919" cy="0"/>
+          </a:xfrm>
+          <a:prstGeom prst="straightConnector1">
+            <a:avLst/>
+          </a:prstGeom>
+          <a:ln w="63500">
+            <a:headEnd w="lg" len="med"/>
+            <a:tailEnd type="triangle"/>
+          </a:ln>
+        </p:spPr>
+        <p:style>
+          <a:lnRef idx="1">
+            <a:schemeClr val="accent1"/>
+          </a:lnRef>
+          <a:fillRef idx="0">
+            <a:schemeClr val="accent1"/>
+          </a:fillRef>
+          <a:effectRef idx="0">
+            <a:schemeClr val="accent1"/>
+          </a:effectRef>
+          <a:fontRef idx="minor">
+            <a:schemeClr val="tx1"/>
+          </a:fontRef>
+        </p:style>
+      </p:cxnSp>
+      <p:sp>
+        <p:nvSpPr>
+          <p:cNvPr id="35" name="TextBox 34">
+            <a:extLst>
+              <a:ext uri="{FF2B5EF4-FFF2-40B4-BE49-F238E27FC236}">
+                <a16:creationId xmlns:a16="http://schemas.microsoft.com/office/drawing/2014/main" id="{23BCC021-AACF-B258-2B7F-5AF08A41E121}"/>
+              </a:ext>
+            </a:extLst>
+          </p:cNvPr>
+          <p:cNvSpPr txBox="1"/>
+          <p:nvPr/>
+        </p:nvSpPr>
+        <p:spPr>
+          <a:xfrm>
+            <a:off x="6511705" y="3049134"/>
+            <a:ext cx="646331" cy="369332"/>
+          </a:xfrm>
+          <a:prstGeom prst="rect">
+            <a:avLst/>
+          </a:prstGeom>
+          <a:noFill/>
+        </p:spPr>
+        <p:txBody>
+          <a:bodyPr wrap="none" rtlCol="0">
+            <a:spAutoFit/>
+          </a:bodyPr>
+          <a:lstStyle/>
+          <a:p>
+            <a:r>
+              <a:rPr kumimoji="1" lang="ko-KR" altLang="en-US"/>
+              <a:t>반복</a:t>
+            </a:r>
+            <a:endParaRPr kumimoji="1" lang="ko-Kore-KR" altLang="en-US"/>
+          </a:p>
+        </p:txBody>
+      </p:sp>
+    </p:spTree>
+    <p:extLst>
+      <p:ext uri="{BB962C8B-B14F-4D97-AF65-F5344CB8AC3E}">
+        <p14:creationId xmlns:p14="http://schemas.microsoft.com/office/powerpoint/2010/main" val="3165339940"/>
+      </p:ext>
+    </p:extLst>
+  </p:cSld>
+  <p:clrMapOvr>
+    <a:masterClrMapping/>
+  </p:clrMapOvr>
+</p:sld>
+</file>
+
+<file path=ppt/slides/slide4.xml><?xml version="1.0" encoding="utf-8"?>
+<p:sld xmlns:a="http://schemas.openxmlformats.org/drawingml/2006/main" xmlns:r="http://schemas.openxmlformats.org/officeDocument/2006/relationships" xmlns:p="http://schemas.openxmlformats.org/presentationml/2006/main">
+  <p:cSld>
+    <p:spTree>
+      <p:nvGrpSpPr>
+        <p:cNvPr id="1" name=""/>
+        <p:cNvGrpSpPr/>
+        <p:nvPr/>
+      </p:nvGrpSpPr>
+      <p:grpSpPr>
+        <a:xfrm>
+          <a:off x="0" y="0"/>
+          <a:ext cx="0" cy="0"/>
+          <a:chOff x="0" y="0"/>
+          <a:chExt cx="0" cy="0"/>
+        </a:xfrm>
+      </p:grpSpPr>
+      <p:sp>
+        <p:nvSpPr>
+          <p:cNvPr id="5" name="타원 4">
+            <a:extLst>
+              <a:ext uri="{FF2B5EF4-FFF2-40B4-BE49-F238E27FC236}">
+                <a16:creationId xmlns:a16="http://schemas.microsoft.com/office/drawing/2014/main" id="{7616A120-733B-F481-91B6-CA5EE2824BB9}"/>
+              </a:ext>
+            </a:extLst>
+          </p:cNvPr>
+          <p:cNvSpPr/>
+          <p:nvPr/>
+        </p:nvSpPr>
+        <p:spPr>
+          <a:xfrm>
+            <a:off x="5587513" y="899386"/>
+            <a:ext cx="2728452" cy="1157748"/>
+          </a:xfrm>
+          <a:prstGeom prst="ellipse">
+            <a:avLst/>
+          </a:prstGeom>
+        </p:spPr>
+        <p:style>
+          <a:lnRef idx="2">
+            <a:schemeClr val="accent1">
+              <a:shade val="15000"/>
+            </a:schemeClr>
+          </a:lnRef>
+          <a:fillRef idx="1">
+            <a:schemeClr val="accent1"/>
+          </a:fillRef>
+          <a:effectRef idx="0">
+            <a:schemeClr val="accent1"/>
+          </a:effectRef>
+          <a:fontRef idx="minor">
+            <a:schemeClr val="lt1"/>
+          </a:fontRef>
+        </p:style>
+        <p:txBody>
+          <a:bodyPr rtlCol="0" anchor="ctr"/>
+          <a:lstStyle/>
+          <a:p>
+            <a:pPr algn="ctr"/>
+            <a:r>
+              <a:rPr kumimoji="1" lang="ko-Kore-KR" altLang="en-US"/>
+              <a:t>실행</a:t>
+            </a:r>
+            <a:r>
+              <a:rPr kumimoji="1" lang="ko-KR" altLang="en-US"/>
+              <a:t> 대기</a:t>
+            </a:r>
+            <a:br>
+              <a:rPr kumimoji="1" lang="en-US" altLang="ko-KR"/>
+            </a:br>
+            <a:r>
+              <a:rPr kumimoji="1" lang="en-US" altLang="ko-KR"/>
+              <a:t>RUNNABLE</a:t>
+            </a:r>
+          </a:p>
+        </p:txBody>
+      </p:sp>
+      <p:sp>
+        <p:nvSpPr>
+          <p:cNvPr id="6" name="타원 5">
+            <a:extLst>
+              <a:ext uri="{FF2B5EF4-FFF2-40B4-BE49-F238E27FC236}">
+                <a16:creationId xmlns:a16="http://schemas.microsoft.com/office/drawing/2014/main" id="{1D06C513-C6A0-2141-86CC-E602CCBCB4A3}"/>
+              </a:ext>
+            </a:extLst>
+          </p:cNvPr>
+          <p:cNvSpPr/>
+          <p:nvPr/>
+        </p:nvSpPr>
+        <p:spPr>
+          <a:xfrm>
+            <a:off x="2359667" y="3679457"/>
+            <a:ext cx="1946413" cy="825910"/>
+          </a:xfrm>
+          <a:prstGeom prst="ellipse">
+            <a:avLst/>
+          </a:prstGeom>
+        </p:spPr>
+        <p:style>
+          <a:lnRef idx="2">
+            <a:schemeClr val="accent1">
+              <a:shade val="15000"/>
+            </a:schemeClr>
+          </a:lnRef>
+          <a:fillRef idx="1">
+            <a:schemeClr val="accent1"/>
+          </a:fillRef>
+          <a:effectRef idx="0">
+            <a:schemeClr val="accent1"/>
+          </a:effectRef>
+          <a:fontRef idx="minor">
+            <a:schemeClr val="lt1"/>
+          </a:fontRef>
+        </p:style>
+        <p:txBody>
+          <a:bodyPr rtlCol="0" anchor="ctr"/>
+          <a:lstStyle/>
+          <a:p>
+            <a:pPr algn="ctr"/>
+            <a:r>
+              <a:rPr kumimoji="1" lang="ko-KR" altLang="en-US"/>
+              <a:t>일시정지</a:t>
+            </a:r>
+            <a:endParaRPr kumimoji="1" lang="en-US" altLang="ko-KR"/>
+          </a:p>
+        </p:txBody>
+      </p:sp>
+      <p:sp>
+        <p:nvSpPr>
+          <p:cNvPr id="7" name="타원 6">
+            <a:extLst>
+              <a:ext uri="{FF2B5EF4-FFF2-40B4-BE49-F238E27FC236}">
+                <a16:creationId xmlns:a16="http://schemas.microsoft.com/office/drawing/2014/main" id="{12E770EB-D4DD-0F79-F99F-72760FE34F49}"/>
+              </a:ext>
+            </a:extLst>
+          </p:cNvPr>
+          <p:cNvSpPr/>
+          <p:nvPr/>
+        </p:nvSpPr>
+        <p:spPr>
+          <a:xfrm>
+            <a:off x="5987086" y="3679457"/>
+            <a:ext cx="1946413" cy="825910"/>
+          </a:xfrm>
+          <a:prstGeom prst="ellipse">
+            <a:avLst/>
+          </a:prstGeom>
+          <a:noFill/>
+        </p:spPr>
+        <p:style>
+          <a:lnRef idx="2">
+            <a:schemeClr val="accent1">
+              <a:shade val="15000"/>
+            </a:schemeClr>
+          </a:lnRef>
+          <a:fillRef idx="1">
+            <a:schemeClr val="accent1"/>
+          </a:fillRef>
+          <a:effectRef idx="0">
+            <a:schemeClr val="accent1"/>
+          </a:effectRef>
+          <a:fontRef idx="minor">
+            <a:schemeClr val="lt1"/>
+          </a:fontRef>
+        </p:style>
+        <p:txBody>
+          <a:bodyPr rtlCol="0" anchor="ctr"/>
+          <a:lstStyle/>
+          <a:p>
+            <a:pPr algn="ctr"/>
+            <a:r>
+              <a:rPr kumimoji="1" lang="ko-KR" altLang="en-US">
+                <a:solidFill>
+                  <a:schemeClr val="tx1"/>
+                </a:solidFill>
+              </a:rPr>
+              <a:t>실행</a:t>
+            </a:r>
+            <a:endParaRPr kumimoji="1" lang="en-US" altLang="ko-KR">
+              <a:solidFill>
+                <a:schemeClr val="tx1"/>
+              </a:solidFill>
+            </a:endParaRPr>
+          </a:p>
+        </p:txBody>
+      </p:sp>
+      <p:cxnSp>
+        <p:nvCxnSpPr>
+          <p:cNvPr id="12" name="직선 화살표 연결선 11">
+            <a:extLst>
+              <a:ext uri="{FF2B5EF4-FFF2-40B4-BE49-F238E27FC236}">
+                <a16:creationId xmlns:a16="http://schemas.microsoft.com/office/drawing/2014/main" id="{097729C6-F1B4-0831-5E48-E3F8A260BAD9}"/>
+              </a:ext>
+            </a:extLst>
+          </p:cNvPr>
+          <p:cNvCxnSpPr>
+            <a:cxnSpLocks/>
+            <a:stCxn id="6" idx="0"/>
+            <a:endCxn id="5" idx="3"/>
+          </p:cNvCxnSpPr>
+          <p:nvPr/>
+        </p:nvCxnSpPr>
+        <p:spPr>
+          <a:xfrm flipV="1">
+            <a:off x="3332874" y="1887586"/>
+            <a:ext cx="2654212" cy="1791871"/>
+          </a:xfrm>
+          <a:prstGeom prst="straightConnector1">
+            <a:avLst/>
+          </a:prstGeom>
+          <a:ln w="63500">
+            <a:headEnd w="lg" len="med"/>
+            <a:tailEnd type="triangle"/>
+          </a:ln>
+        </p:spPr>
+        <p:style>
+          <a:lnRef idx="1">
+            <a:schemeClr val="accent1"/>
+          </a:lnRef>
+          <a:fillRef idx="0">
+            <a:schemeClr val="accent1"/>
+          </a:fillRef>
+          <a:effectRef idx="0">
+            <a:schemeClr val="accent1"/>
+          </a:effectRef>
+          <a:fontRef idx="minor">
+            <a:schemeClr val="tx1"/>
+          </a:fontRef>
+        </p:style>
+      </p:cxnSp>
+      <p:cxnSp>
+        <p:nvCxnSpPr>
+          <p:cNvPr id="23" name="직선 화살표 연결선 22">
+            <a:extLst>
+              <a:ext uri="{FF2B5EF4-FFF2-40B4-BE49-F238E27FC236}">
+                <a16:creationId xmlns:a16="http://schemas.microsoft.com/office/drawing/2014/main" id="{17A5C47C-8309-2DF1-FE97-7E488DF0F036}"/>
+              </a:ext>
+            </a:extLst>
+          </p:cNvPr>
+          <p:cNvCxnSpPr>
+            <a:cxnSpLocks/>
+            <a:stCxn id="7" idx="2"/>
+            <a:endCxn id="6" idx="6"/>
+          </p:cNvCxnSpPr>
+          <p:nvPr/>
+        </p:nvCxnSpPr>
+        <p:spPr>
+          <a:xfrm flipH="1">
+            <a:off x="4306080" y="4092412"/>
+            <a:ext cx="1681006" cy="0"/>
+          </a:xfrm>
+          <a:prstGeom prst="straightConnector1">
+            <a:avLst/>
+          </a:prstGeom>
+          <a:ln w="63500">
+            <a:headEnd w="lg" len="med"/>
+            <a:tailEnd type="triangle"/>
+          </a:ln>
+        </p:spPr>
+        <p:style>
+          <a:lnRef idx="1">
+            <a:schemeClr val="accent1"/>
+          </a:lnRef>
+          <a:fillRef idx="0">
+            <a:schemeClr val="accent1"/>
+          </a:fillRef>
+          <a:effectRef idx="0">
+            <a:schemeClr val="accent1"/>
+          </a:effectRef>
+          <a:fontRef idx="minor">
+            <a:schemeClr val="tx1"/>
+          </a:fontRef>
+        </p:style>
+      </p:cxnSp>
+      <p:cxnSp>
+        <p:nvCxnSpPr>
+          <p:cNvPr id="2" name="직선 화살표 연결선 1">
+            <a:extLst>
+              <a:ext uri="{FF2B5EF4-FFF2-40B4-BE49-F238E27FC236}">
+                <a16:creationId xmlns:a16="http://schemas.microsoft.com/office/drawing/2014/main" id="{A91A1C0D-3BEE-DD64-1063-88223B1DF7F1}"/>
+              </a:ext>
+            </a:extLst>
+          </p:cNvPr>
+          <p:cNvCxnSpPr>
+            <a:cxnSpLocks/>
+          </p:cNvCxnSpPr>
+          <p:nvPr/>
+        </p:nvCxnSpPr>
+        <p:spPr>
+          <a:xfrm flipH="1" flipV="1">
+            <a:off x="6942189" y="2057133"/>
+            <a:ext cx="8554" cy="1622323"/>
+          </a:xfrm>
+          <a:prstGeom prst="straightConnector1">
+            <a:avLst/>
+          </a:prstGeom>
+          <a:ln w="63500">
+            <a:headEnd w="lg" len="med"/>
+            <a:tailEnd type="triangle"/>
+          </a:ln>
+        </p:spPr>
+        <p:style>
+          <a:lnRef idx="1">
+            <a:schemeClr val="accent1"/>
+          </a:lnRef>
+          <a:fillRef idx="0">
+            <a:schemeClr val="accent1"/>
+          </a:fillRef>
+          <a:effectRef idx="0">
+            <a:schemeClr val="accent1"/>
+          </a:effectRef>
+          <a:fontRef idx="minor">
+            <a:schemeClr val="tx1"/>
+          </a:fontRef>
+        </p:style>
+      </p:cxnSp>
+      <p:cxnSp>
+        <p:nvCxnSpPr>
+          <p:cNvPr id="15" name="직선 화살표 연결선 14">
+            <a:extLst>
+              <a:ext uri="{FF2B5EF4-FFF2-40B4-BE49-F238E27FC236}">
+                <a16:creationId xmlns:a16="http://schemas.microsoft.com/office/drawing/2014/main" id="{58F91543-3DA5-762E-9C13-033889B8D519}"/>
+              </a:ext>
+            </a:extLst>
+          </p:cNvPr>
+          <p:cNvCxnSpPr>
+            <a:cxnSpLocks/>
+          </p:cNvCxnSpPr>
+          <p:nvPr/>
+        </p:nvCxnSpPr>
+        <p:spPr>
+          <a:xfrm>
+            <a:off x="7369669" y="2057134"/>
+            <a:ext cx="0" cy="1622323"/>
+          </a:xfrm>
+          <a:prstGeom prst="straightConnector1">
+            <a:avLst/>
+          </a:prstGeom>
+          <a:ln w="63500">
+            <a:headEnd w="lg" len="med"/>
+            <a:tailEnd type="triangle"/>
+          </a:ln>
+        </p:spPr>
+        <p:style>
+          <a:lnRef idx="1">
+            <a:schemeClr val="accent1"/>
+          </a:lnRef>
+          <a:fillRef idx="0">
+            <a:schemeClr val="accent1"/>
+          </a:fillRef>
+          <a:effectRef idx="0">
+            <a:schemeClr val="accent1"/>
+          </a:effectRef>
+          <a:fontRef idx="minor">
+            <a:schemeClr val="tx1"/>
+          </a:fontRef>
+        </p:style>
+      </p:cxnSp>
+      <p:sp>
+        <p:nvSpPr>
+          <p:cNvPr id="25" name="TextBox 24">
+            <a:extLst>
+              <a:ext uri="{FF2B5EF4-FFF2-40B4-BE49-F238E27FC236}">
+                <a16:creationId xmlns:a16="http://schemas.microsoft.com/office/drawing/2014/main" id="{1B6D914F-CB6A-9C20-E74C-B424B86028DA}"/>
+              </a:ext>
+            </a:extLst>
+          </p:cNvPr>
+          <p:cNvSpPr txBox="1"/>
+          <p:nvPr/>
+        </p:nvSpPr>
+        <p:spPr>
+          <a:xfrm>
+            <a:off x="5987086" y="2868295"/>
+            <a:ext cx="772969" cy="369332"/>
+          </a:xfrm>
+          <a:prstGeom prst="rect">
+            <a:avLst/>
+          </a:prstGeom>
+          <a:solidFill>
+            <a:srgbClr val="EEB5FF"/>
+          </a:solidFill>
+        </p:spPr>
+        <p:txBody>
+          <a:bodyPr wrap="none" rtlCol="0">
+            <a:spAutoFit/>
+          </a:bodyPr>
+          <a:lstStyle/>
+          <a:p>
+            <a:r>
+              <a:rPr kumimoji="1" lang="en-US" altLang="ko-Kore-KR"/>
+              <a:t>yield()</a:t>
+            </a:r>
+            <a:endParaRPr kumimoji="1" lang="ko-Kore-KR" altLang="en-US"/>
+          </a:p>
+        </p:txBody>
+      </p:sp>
+      <p:sp>
+        <p:nvSpPr>
+          <p:cNvPr id="27" name="TextBox 26">
+            <a:extLst>
+              <a:ext uri="{FF2B5EF4-FFF2-40B4-BE49-F238E27FC236}">
+                <a16:creationId xmlns:a16="http://schemas.microsoft.com/office/drawing/2014/main" id="{4F5C3667-D5CF-2702-B989-8D2C1EDC265C}"/>
+              </a:ext>
+            </a:extLst>
+          </p:cNvPr>
+          <p:cNvSpPr txBox="1"/>
+          <p:nvPr/>
+        </p:nvSpPr>
+        <p:spPr>
+          <a:xfrm>
+            <a:off x="3161508" y="1665571"/>
+            <a:ext cx="1168077" cy="923330"/>
+          </a:xfrm>
+          <a:prstGeom prst="rect">
+            <a:avLst/>
+          </a:prstGeom>
+          <a:solidFill>
+            <a:schemeClr val="accent1">
+              <a:lumMod val="40000"/>
+              <a:lumOff val="60000"/>
+            </a:schemeClr>
+          </a:solidFill>
+        </p:spPr>
+        <p:txBody>
+          <a:bodyPr wrap="none" rtlCol="0">
+            <a:spAutoFit/>
+          </a:bodyPr>
+          <a:lstStyle/>
+          <a:p>
+            <a:r>
+              <a:rPr kumimoji="1" lang="en-US" altLang="ko-Kore-KR"/>
+              <a:t>interrupt()</a:t>
+            </a:r>
+            <a:br>
+              <a:rPr kumimoji="1" lang="en-US" altLang="ko-Kore-KR"/>
+            </a:br>
+            <a:r>
+              <a:rPr kumimoji="1" lang="en-US" altLang="ko-Kore-KR"/>
+              <a:t>notify()</a:t>
+            </a:r>
+            <a:br>
+              <a:rPr kumimoji="1" lang="en-US" altLang="ko-Kore-KR"/>
+            </a:br>
+            <a:r>
+              <a:rPr kumimoji="1" lang="en-US" altLang="ko-Kore-KR"/>
+              <a:t>notifyAll()</a:t>
+            </a:r>
+            <a:endParaRPr kumimoji="1" lang="ko-Kore-KR" altLang="en-US"/>
+          </a:p>
+        </p:txBody>
+      </p:sp>
+      <p:sp>
+        <p:nvSpPr>
+          <p:cNvPr id="28" name="TextBox 27">
+            <a:extLst>
+              <a:ext uri="{FF2B5EF4-FFF2-40B4-BE49-F238E27FC236}">
+                <a16:creationId xmlns:a16="http://schemas.microsoft.com/office/drawing/2014/main" id="{06C29B06-4A7E-1192-99FB-4871B7BE41E8}"/>
+              </a:ext>
+            </a:extLst>
+          </p:cNvPr>
+          <p:cNvSpPr txBox="1"/>
+          <p:nvPr/>
+        </p:nvSpPr>
+        <p:spPr>
+          <a:xfrm>
+            <a:off x="4736053" y="4326392"/>
+            <a:ext cx="821059" cy="923330"/>
+          </a:xfrm>
+          <a:prstGeom prst="rect">
+            <a:avLst/>
+          </a:prstGeom>
+          <a:solidFill>
+            <a:schemeClr val="accent2">
+              <a:lumMod val="20000"/>
+              <a:lumOff val="80000"/>
+            </a:schemeClr>
+          </a:solidFill>
+        </p:spPr>
+        <p:txBody>
+          <a:bodyPr wrap="none" rtlCol="0">
+            <a:spAutoFit/>
+          </a:bodyPr>
+          <a:lstStyle/>
+          <a:p>
+            <a:r>
+              <a:rPr kumimoji="1" lang="en-US" altLang="ko-Kore-KR"/>
+              <a:t>sleep()</a:t>
+            </a:r>
+            <a:br>
+              <a:rPr kumimoji="1" lang="en-US" altLang="ko-Kore-KR"/>
+            </a:br>
+            <a:r>
+              <a:rPr kumimoji="1" lang="en-US" altLang="ko-Kore-KR"/>
+              <a:t>join()</a:t>
+            </a:r>
+            <a:br>
+              <a:rPr kumimoji="1" lang="en-US" altLang="ko-Kore-KR"/>
+            </a:br>
+            <a:r>
+              <a:rPr kumimoji="1" lang="en-US" altLang="ko-Kore-KR"/>
+              <a:t>wait()</a:t>
+            </a:r>
+            <a:endParaRPr kumimoji="1" lang="ko-Kore-KR" altLang="en-US"/>
+          </a:p>
+        </p:txBody>
+      </p:sp>
+    </p:spTree>
+    <p:extLst>
+      <p:ext uri="{BB962C8B-B14F-4D97-AF65-F5344CB8AC3E}">
+        <p14:creationId xmlns:p14="http://schemas.microsoft.com/office/powerpoint/2010/main" val="2764127313"/>
+      </p:ext>
+    </p:extLst>
+  </p:cSld>
+  <p:clrMapOvr>
+    <a:masterClrMapping/>
+  </p:clrMapOvr>
+</p:sld>
+</file>
+
 <file path=ppt/theme/theme1.xml><?xml version="1.0" encoding="utf-8"?>
 <a:theme xmlns:a="http://schemas.openxmlformats.org/drawingml/2006/main" name="Office 테마">
   <a:themeElements>

--- a/doc/slides.pptx
+++ b/doc/slides.pptx
@@ -9,6 +9,7 @@
     <p:sldId id="257" r:id="rId3"/>
     <p:sldId id="258" r:id="rId4"/>
     <p:sldId id="259" r:id="rId5"/>
+    <p:sldId id="260" r:id="rId6"/>
   </p:sldIdLst>
   <p:sldSz cx="12192000" cy="6858000"/>
   <p:notesSz cx="6858000" cy="9144000"/>
@@ -126,6 +127,33 @@
 </p:presentation>
 </file>
 
+<file path=ppt/ink/ink1.xml><?xml version="1.0" encoding="utf-8"?>
+<inkml:ink xmlns:inkml="http://www.w3.org/2003/InkML">
+  <inkml:definitions>
+    <inkml:context xml:id="ctx0">
+      <inkml:inkSource xml:id="inkSrc0">
+        <inkml:traceFormat>
+          <inkml:channel name="X" type="integer" min="-2.14748E9" max="2.14748E9" units="cm"/>
+          <inkml:channel name="Y" type="integer" min="-2.14748E9" max="2.14748E9" units="cm"/>
+          <inkml:channel name="F" type="integer" max="32767" units="dev"/>
+        </inkml:traceFormat>
+        <inkml:channelProperties>
+          <inkml:channelProperty channel="X" name="resolution" value="1000" units="1/cm"/>
+          <inkml:channelProperty channel="Y" name="resolution" value="1000" units="1/cm"/>
+          <inkml:channelProperty channel="F" name="resolution" value="0" units="1/dev"/>
+        </inkml:channelProperties>
+      </inkml:inkSource>
+      <inkml:timestamp xml:id="ts0" timeString="2023-06-20T07:41:54.306"/>
+    </inkml:context>
+    <inkml:brush xml:id="br0">
+      <inkml:brushProperty name="width" value="0.05" units="cm"/>
+      <inkml:brushProperty name="height" value="0.05" units="cm"/>
+    </inkml:brush>
+  </inkml:definitions>
+  <inkml:trace contextRef="#ctx0" brushRef="#br0">4557 1 24575,'2'28'0,"1"0"0,0 1 0,3-1 0,16 53 0,-16-59 0,10 64 0,-6-19 0,5 16 0,-5 1 0,-3-1 0,-4 95 0,-3 899 0,-1-1058 0,-1 0 0,-8 35 0,5-34 0,2 1 0,-3 25 0,6-27 0,0 11 0,-2 1 0,-10 53 0,-11 4 0,12-53 0,2 0 0,2 0 0,-6 70 0,11-78 0,-1 1 0,-2-1 0,-12 41 0,-7 39 0,-27 130 0,40-192 0,-46 186 0,-14 0 0,61-200 0,0 0 0,-1 0 0,-17 33 0,18-42 0,0 2 0,-9 35 0,-6 18 0,0-20 0,13-32 0,1 0 0,-12 43 0,11-25 0,-22 49 0,17-49 0,-55 143 0,41-109 0,11-27 0,-45 83 0,43-90 0,-34 88 0,38-84 0,-41 77 0,-50 96 0,57-118 0,32-61 0,13-26 0,0-1 0,-1 0 0,-15 21 0,4-8 0,1-1 0,-22 47 0,4-5 0,-16 23 0,-55 86 0,9-23 0,29-42 0,12-24 0,-77 112 0,85-128 0,31-43 0,-2-1 0,-25 30 0,13-21 0,-30 47 0,6-6 0,-111 121 0,80-88 0,-10 14 0,55-76 0,-57 89 0,51-69 0,-117 145 0,56-55 0,81-116 0,-9 7 0,24-33 0,0 1 0,-17 32 0,5-6 0,-53 74 0,-4 7 0,-50 88 0,61-102 0,50-75 0,-16 41 0,-18 34 0,-20 18 0,62-106 0,-18 46 0,23-47 0,-2-1 0,-23 40 0,19-37 0,1 0 0,1 1 0,-13 41 0,14-37 0,0-1 0,-26 45 0,22-45 0,1 1 0,1 1 0,-15 50 0,15-39 0,-20 40 0,-48 98 0,53-109 0,-34 130 0,52-163 0,-67 169 0,30-52 0,44-143 0,0-1 0,-1 1 0,-10 18 0,9-20 0,1 0 0,0 0 0,0 0 0,1 1 0,-3 12 0,-7 43 0,-29 84 0,32-117 0,-58 157 0,52-142 0,4-14 0,-8 42 0,17-62 0,-1-1 0,-1 0 0,-9 19 0,-10 32 0,-40 191 0,45-190 0,-4 26 0,21-77-227,-2 0-1,1 0 1,-2 0-1,0 0 1,-8 15-1,5-13-6598</inkml:trace>
+</inkml:ink>
+</file>
+
 <file path=ppt/slideLayouts/slideLayout1.xml><?xml version="1.0" encoding="utf-8"?>
 <p:sldLayout xmlns:a="http://schemas.openxmlformats.org/drawingml/2006/main" xmlns:r="http://schemas.openxmlformats.org/officeDocument/2006/relationships" xmlns:p="http://schemas.openxmlformats.org/presentationml/2006/main" type="title" preserve="1">
   <p:cSld name="제목 슬라이드">
@@ -274,7 +302,7 @@
           <a:lstStyle/>
           <a:p>
             <a:fld id="{31CAA46B-2303-054C-ABE8-D8274DAD4F84}" type="datetimeFigureOut">
-              <a:t>2023. 6. 10.</a:t>
+              <a:t>2023-06-20</a:t>
             </a:fld>
             <a:endParaRPr kumimoji="1" lang="ko-Kore-KR" altLang="en-US"/>
           </a:p>
@@ -472,7 +500,7 @@
           <a:lstStyle/>
           <a:p>
             <a:fld id="{31CAA46B-2303-054C-ABE8-D8274DAD4F84}" type="datetimeFigureOut">
-              <a:t>2023. 6. 10.</a:t>
+              <a:t>2023-06-20</a:t>
             </a:fld>
             <a:endParaRPr kumimoji="1" lang="ko-Kore-KR" altLang="en-US"/>
           </a:p>
@@ -680,7 +708,7 @@
           <a:lstStyle/>
           <a:p>
             <a:fld id="{31CAA46B-2303-054C-ABE8-D8274DAD4F84}" type="datetimeFigureOut">
-              <a:t>2023. 6. 10.</a:t>
+              <a:t>2023-06-20</a:t>
             </a:fld>
             <a:endParaRPr kumimoji="1" lang="ko-Kore-KR" altLang="en-US"/>
           </a:p>
@@ -878,7 +906,7 @@
           <a:lstStyle/>
           <a:p>
             <a:fld id="{31CAA46B-2303-054C-ABE8-D8274DAD4F84}" type="datetimeFigureOut">
-              <a:t>2023. 6. 10.</a:t>
+              <a:t>2023-06-20</a:t>
             </a:fld>
             <a:endParaRPr kumimoji="1" lang="ko-Kore-KR" altLang="en-US"/>
           </a:p>
@@ -1152,7 +1180,7 @@
           <a:lstStyle/>
           <a:p>
             <a:fld id="{31CAA46B-2303-054C-ABE8-D8274DAD4F84}" type="datetimeFigureOut">
-              <a:t>2023. 6. 10.</a:t>
+              <a:t>2023-06-20</a:t>
             </a:fld>
             <a:endParaRPr kumimoji="1" lang="ko-Kore-KR" altLang="en-US"/>
           </a:p>
@@ -1418,7 +1446,7 @@
           <a:lstStyle/>
           <a:p>
             <a:fld id="{31CAA46B-2303-054C-ABE8-D8274DAD4F84}" type="datetimeFigureOut">
-              <a:t>2023. 6. 10.</a:t>
+              <a:t>2023-06-20</a:t>
             </a:fld>
             <a:endParaRPr kumimoji="1" lang="ko-Kore-KR" altLang="en-US"/>
           </a:p>
@@ -1831,7 +1859,7 @@
           <a:lstStyle/>
           <a:p>
             <a:fld id="{31CAA46B-2303-054C-ABE8-D8274DAD4F84}" type="datetimeFigureOut">
-              <a:t>2023. 6. 10.</a:t>
+              <a:t>2023-06-20</a:t>
             </a:fld>
             <a:endParaRPr kumimoji="1" lang="ko-Kore-KR" altLang="en-US"/>
           </a:p>
@@ -1971,7 +1999,7 @@
           <a:lstStyle/>
           <a:p>
             <a:fld id="{31CAA46B-2303-054C-ABE8-D8274DAD4F84}" type="datetimeFigureOut">
-              <a:t>2023. 6. 10.</a:t>
+              <a:t>2023-06-20</a:t>
             </a:fld>
             <a:endParaRPr kumimoji="1" lang="ko-Kore-KR" altLang="en-US"/>
           </a:p>
@@ -2082,7 +2110,7 @@
           <a:lstStyle/>
           <a:p>
             <a:fld id="{31CAA46B-2303-054C-ABE8-D8274DAD4F84}" type="datetimeFigureOut">
-              <a:t>2023. 6. 10.</a:t>
+              <a:t>2023-06-20</a:t>
             </a:fld>
             <a:endParaRPr kumimoji="1" lang="ko-Kore-KR" altLang="en-US"/>
           </a:p>
@@ -2393,7 +2421,7 @@
           <a:lstStyle/>
           <a:p>
             <a:fld id="{31CAA46B-2303-054C-ABE8-D8274DAD4F84}" type="datetimeFigureOut">
-              <a:t>2023. 6. 10.</a:t>
+              <a:t>2023-06-20</a:t>
             </a:fld>
             <a:endParaRPr kumimoji="1" lang="ko-Kore-KR" altLang="en-US"/>
           </a:p>
@@ -2680,7 +2708,7 @@
           <a:lstStyle/>
           <a:p>
             <a:fld id="{31CAA46B-2303-054C-ABE8-D8274DAD4F84}" type="datetimeFigureOut">
-              <a:t>2023. 6. 10.</a:t>
+              <a:t>2023-06-20</a:t>
             </a:fld>
             <a:endParaRPr kumimoji="1" lang="ko-Kore-KR" altLang="en-US"/>
           </a:p>
@@ -2921,7 +2949,7 @@
           </a:lstStyle>
           <a:p>
             <a:fld id="{31CAA46B-2303-054C-ABE8-D8274DAD4F84}" type="datetimeFigureOut">
-              <a:t>2023. 6. 10.</a:t>
+              <a:t>2023-06-20</a:t>
             </a:fld>
             <a:endParaRPr kumimoji="1" lang="ko-Kore-KR" altLang="en-US"/>
           </a:p>
@@ -7734,6 +7762,575 @@
 </p:sld>
 </file>
 
+<file path=ppt/slides/slide5.xml><?xml version="1.0" encoding="utf-8"?>
+<p:sld xmlns:a="http://schemas.openxmlformats.org/drawingml/2006/main" xmlns:r="http://schemas.openxmlformats.org/officeDocument/2006/relationships" xmlns:p="http://schemas.openxmlformats.org/presentationml/2006/main">
+  <p:cSld>
+    <p:spTree>
+      <p:nvGrpSpPr>
+        <p:cNvPr id="1" name=""/>
+        <p:cNvGrpSpPr/>
+        <p:nvPr/>
+      </p:nvGrpSpPr>
+      <p:grpSpPr>
+        <a:xfrm>
+          <a:off x="0" y="0"/>
+          <a:ext cx="0" cy="0"/>
+          <a:chOff x="0" y="0"/>
+          <a:chExt cx="0" cy="0"/>
+        </a:xfrm>
+      </p:grpSpPr>
+      <p:sp>
+        <p:nvSpPr>
+          <p:cNvPr id="4" name="타원 3">
+            <a:extLst>
+              <a:ext uri="{FF2B5EF4-FFF2-40B4-BE49-F238E27FC236}">
+                <a16:creationId xmlns:a16="http://schemas.microsoft.com/office/drawing/2014/main" id="{78D08AE9-6964-940E-EA10-052324E486AD}"/>
+              </a:ext>
+            </a:extLst>
+          </p:cNvPr>
+          <p:cNvSpPr/>
+          <p:nvPr/>
+        </p:nvSpPr>
+        <p:spPr>
+          <a:xfrm>
+            <a:off x="1856510" y="3042789"/>
+            <a:ext cx="1234240" cy="1234240"/>
+          </a:xfrm>
+          <a:prstGeom prst="ellipse">
+            <a:avLst/>
+          </a:prstGeom>
+        </p:spPr>
+        <p:style>
+          <a:lnRef idx="2">
+            <a:schemeClr val="accent1">
+              <a:shade val="15000"/>
+            </a:schemeClr>
+          </a:lnRef>
+          <a:fillRef idx="1">
+            <a:schemeClr val="accent1"/>
+          </a:fillRef>
+          <a:effectRef idx="0">
+            <a:schemeClr val="accent1"/>
+          </a:effectRef>
+          <a:fontRef idx="minor">
+            <a:schemeClr val="lt1"/>
+          </a:fontRef>
+        </p:style>
+        <p:txBody>
+          <a:bodyPr rtlCol="0" anchor="ctr"/>
+          <a:lstStyle/>
+          <a:p>
+            <a:pPr algn="ctr"/>
+            <a:r>
+              <a:rPr lang="en-US" altLang="ko-KR" dirty="0"/>
+              <a:t>Socket</a:t>
+            </a:r>
+            <a:endParaRPr lang="ko-KR" altLang="en-US" dirty="0"/>
+          </a:p>
+        </p:txBody>
+      </p:sp>
+      <p:sp>
+        <p:nvSpPr>
+          <p:cNvPr id="5" name="사각형: 둥근 모서리 4">
+            <a:extLst>
+              <a:ext uri="{FF2B5EF4-FFF2-40B4-BE49-F238E27FC236}">
+                <a16:creationId xmlns:a16="http://schemas.microsoft.com/office/drawing/2014/main" id="{AFE9F0B8-4070-90CA-22F3-6D0C6ACBE56C}"/>
+              </a:ext>
+            </a:extLst>
+          </p:cNvPr>
+          <p:cNvSpPr/>
+          <p:nvPr/>
+        </p:nvSpPr>
+        <p:spPr>
+          <a:xfrm>
+            <a:off x="1052945" y="2096654"/>
+            <a:ext cx="2849417" cy="2849417"/>
+          </a:xfrm>
+          <a:prstGeom prst="roundRect">
+            <a:avLst/>
+          </a:prstGeom>
+          <a:noFill/>
+        </p:spPr>
+        <p:style>
+          <a:lnRef idx="2">
+            <a:schemeClr val="accent1">
+              <a:shade val="15000"/>
+            </a:schemeClr>
+          </a:lnRef>
+          <a:fillRef idx="1">
+            <a:schemeClr val="accent1"/>
+          </a:fillRef>
+          <a:effectRef idx="0">
+            <a:schemeClr val="accent1"/>
+          </a:effectRef>
+          <a:fontRef idx="minor">
+            <a:schemeClr val="lt1"/>
+          </a:fontRef>
+        </p:style>
+        <p:txBody>
+          <a:bodyPr rtlCol="0" anchor="ctr"/>
+          <a:lstStyle/>
+          <a:p>
+            <a:pPr algn="ctr"/>
+            <a:endParaRPr lang="ko-KR" altLang="en-US" dirty="0"/>
+          </a:p>
+        </p:txBody>
+      </p:sp>
+      <p:sp>
+        <p:nvSpPr>
+          <p:cNvPr id="6" name="TextBox 5">
+            <a:extLst>
+              <a:ext uri="{FF2B5EF4-FFF2-40B4-BE49-F238E27FC236}">
+                <a16:creationId xmlns:a16="http://schemas.microsoft.com/office/drawing/2014/main" id="{F4C4A4C9-1DDD-DA2C-D1E2-E472D123ABCD}"/>
+              </a:ext>
+            </a:extLst>
+          </p:cNvPr>
+          <p:cNvSpPr txBox="1"/>
+          <p:nvPr/>
+        </p:nvSpPr>
+        <p:spPr>
+          <a:xfrm>
+            <a:off x="1804216" y="2327564"/>
+            <a:ext cx="1338828" cy="369332"/>
+          </a:xfrm>
+          <a:prstGeom prst="rect">
+            <a:avLst/>
+          </a:prstGeom>
+          <a:noFill/>
+        </p:spPr>
+        <p:txBody>
+          <a:bodyPr wrap="none" rtlCol="0">
+            <a:spAutoFit/>
+          </a:bodyPr>
+          <a:lstStyle/>
+          <a:p>
+            <a:r>
+              <a:rPr lang="ko-KR" altLang="en-US" dirty="0"/>
+              <a:t>클라이언트</a:t>
+            </a:r>
+          </a:p>
+        </p:txBody>
+      </p:sp>
+      <p:sp>
+        <p:nvSpPr>
+          <p:cNvPr id="7" name="타원 6">
+            <a:extLst>
+              <a:ext uri="{FF2B5EF4-FFF2-40B4-BE49-F238E27FC236}">
+                <a16:creationId xmlns:a16="http://schemas.microsoft.com/office/drawing/2014/main" id="{F09115DB-2AF7-29AE-2F46-D74CFDF6A007}"/>
+              </a:ext>
+            </a:extLst>
+          </p:cNvPr>
+          <p:cNvSpPr/>
+          <p:nvPr/>
+        </p:nvSpPr>
+        <p:spPr>
+          <a:xfrm>
+            <a:off x="8760692" y="3042789"/>
+            <a:ext cx="1234240" cy="1234240"/>
+          </a:xfrm>
+          <a:prstGeom prst="ellipse">
+            <a:avLst/>
+          </a:prstGeom>
+        </p:spPr>
+        <p:style>
+          <a:lnRef idx="2">
+            <a:schemeClr val="accent1">
+              <a:shade val="15000"/>
+            </a:schemeClr>
+          </a:lnRef>
+          <a:fillRef idx="1">
+            <a:schemeClr val="accent1"/>
+          </a:fillRef>
+          <a:effectRef idx="0">
+            <a:schemeClr val="accent1"/>
+          </a:effectRef>
+          <a:fontRef idx="minor">
+            <a:schemeClr val="lt1"/>
+          </a:fontRef>
+        </p:style>
+        <p:txBody>
+          <a:bodyPr rtlCol="0" anchor="ctr"/>
+          <a:lstStyle/>
+          <a:p>
+            <a:pPr algn="ctr"/>
+            <a:r>
+              <a:rPr lang="en-US" altLang="ko-KR" dirty="0"/>
+              <a:t>Socket</a:t>
+            </a:r>
+            <a:endParaRPr lang="ko-KR" altLang="en-US" dirty="0"/>
+          </a:p>
+        </p:txBody>
+      </p:sp>
+      <p:sp>
+        <p:nvSpPr>
+          <p:cNvPr id="8" name="사각형: 둥근 모서리 7">
+            <a:extLst>
+              <a:ext uri="{FF2B5EF4-FFF2-40B4-BE49-F238E27FC236}">
+                <a16:creationId xmlns:a16="http://schemas.microsoft.com/office/drawing/2014/main" id="{7A7E5B07-8BFF-5C75-3472-7F6F4EB1890A}"/>
+              </a:ext>
+            </a:extLst>
+          </p:cNvPr>
+          <p:cNvSpPr/>
+          <p:nvPr/>
+        </p:nvSpPr>
+        <p:spPr>
+          <a:xfrm>
+            <a:off x="7957127" y="2096654"/>
+            <a:ext cx="2849417" cy="2849417"/>
+          </a:xfrm>
+          <a:prstGeom prst="roundRect">
+            <a:avLst/>
+          </a:prstGeom>
+          <a:noFill/>
+        </p:spPr>
+        <p:style>
+          <a:lnRef idx="2">
+            <a:schemeClr val="accent1">
+              <a:shade val="15000"/>
+            </a:schemeClr>
+          </a:lnRef>
+          <a:fillRef idx="1">
+            <a:schemeClr val="accent1"/>
+          </a:fillRef>
+          <a:effectRef idx="0">
+            <a:schemeClr val="accent1"/>
+          </a:effectRef>
+          <a:fontRef idx="minor">
+            <a:schemeClr val="lt1"/>
+          </a:fontRef>
+        </p:style>
+        <p:txBody>
+          <a:bodyPr rtlCol="0" anchor="ctr"/>
+          <a:lstStyle/>
+          <a:p>
+            <a:pPr algn="ctr"/>
+            <a:endParaRPr lang="ko-KR" altLang="en-US" dirty="0"/>
+          </a:p>
+        </p:txBody>
+      </p:sp>
+      <p:sp>
+        <p:nvSpPr>
+          <p:cNvPr id="9" name="TextBox 8">
+            <a:extLst>
+              <a:ext uri="{FF2B5EF4-FFF2-40B4-BE49-F238E27FC236}">
+                <a16:creationId xmlns:a16="http://schemas.microsoft.com/office/drawing/2014/main" id="{70C65CD6-796C-F04C-B0B2-8DAEFEF8F37B}"/>
+              </a:ext>
+            </a:extLst>
+          </p:cNvPr>
+          <p:cNvSpPr txBox="1"/>
+          <p:nvPr/>
+        </p:nvSpPr>
+        <p:spPr>
+          <a:xfrm>
+            <a:off x="9077855" y="2327564"/>
+            <a:ext cx="646331" cy="369332"/>
+          </a:xfrm>
+          <a:prstGeom prst="rect">
+            <a:avLst/>
+          </a:prstGeom>
+          <a:noFill/>
+        </p:spPr>
+        <p:txBody>
+          <a:bodyPr wrap="none" rtlCol="0">
+            <a:spAutoFit/>
+          </a:bodyPr>
+          <a:lstStyle/>
+          <a:p>
+            <a:r>
+              <a:rPr lang="ko-KR" altLang="en-US" dirty="0"/>
+              <a:t>서버</a:t>
+            </a:r>
+          </a:p>
+        </p:txBody>
+      </p:sp>
+      <mc:AlternateContent xmlns:mc="http://schemas.openxmlformats.org/markup-compatibility/2006">
+        <mc:Choice xmlns:p14="http://schemas.microsoft.com/office/powerpoint/2010/main" Requires="p14">
+          <p:contentPart p14:bwMode="auto" r:id="rId2">
+            <p14:nvContentPartPr>
+              <p14:cNvPr id="11" name="잉크 10">
+                <a:extLst>
+                  <a:ext uri="{FF2B5EF4-FFF2-40B4-BE49-F238E27FC236}">
+                    <a16:creationId xmlns:a16="http://schemas.microsoft.com/office/drawing/2014/main" id="{76AC44FD-F477-A776-88AF-E63A35633DFD}"/>
+                  </a:ext>
+                </a:extLst>
+              </p14:cNvPr>
+              <p14:cNvContentPartPr/>
+              <p14:nvPr/>
+            </p14:nvContentPartPr>
+            <p14:xfrm>
+              <a:off x="4834080" y="1394469"/>
+              <a:ext cx="1677960" cy="4325400"/>
+            </p14:xfrm>
+          </p:contentPart>
+        </mc:Choice>
+        <mc:Fallback>
+          <p:pic>
+            <p:nvPicPr>
+              <p:cNvPr id="11" name="잉크 10">
+                <a:extLst>
+                  <a:ext uri="{FF2B5EF4-FFF2-40B4-BE49-F238E27FC236}">
+                    <a16:creationId xmlns:a16="http://schemas.microsoft.com/office/drawing/2014/main" id="{76AC44FD-F477-A776-88AF-E63A35633DFD}"/>
+                  </a:ext>
+                </a:extLst>
+              </p:cNvPr>
+              <p:cNvPicPr/>
+              <p:nvPr/>
+            </p:nvPicPr>
+            <p:blipFill>
+              <a:blip r:embed="rId3"/>
+              <a:stretch>
+                <a:fillRect/>
+              </a:stretch>
+            </p:blipFill>
+            <p:spPr>
+              <a:xfrm>
+                <a:off x="4825080" y="1385829"/>
+                <a:ext cx="1695600" cy="4343040"/>
+              </a:xfrm>
+              <a:prstGeom prst="rect">
+                <a:avLst/>
+              </a:prstGeom>
+            </p:spPr>
+          </p:pic>
+        </mc:Fallback>
+      </mc:AlternateContent>
+      <p:cxnSp>
+        <p:nvCxnSpPr>
+          <p:cNvPr id="14" name="직선 화살표 연결선 13">
+            <a:extLst>
+              <a:ext uri="{FF2B5EF4-FFF2-40B4-BE49-F238E27FC236}">
+                <a16:creationId xmlns:a16="http://schemas.microsoft.com/office/drawing/2014/main" id="{43612528-14E8-FEFC-6B5E-58FB68E86D34}"/>
+              </a:ext>
+            </a:extLst>
+          </p:cNvPr>
+          <p:cNvCxnSpPr/>
+          <p:nvPr/>
+        </p:nvCxnSpPr>
+        <p:spPr>
+          <a:xfrm>
+            <a:off x="3749964" y="2974109"/>
+            <a:ext cx="4470400" cy="0"/>
+          </a:xfrm>
+          <a:prstGeom prst="straightConnector1">
+            <a:avLst/>
+          </a:prstGeom>
+          <a:ln w="76200">
+            <a:tailEnd type="triangle"/>
+          </a:ln>
+        </p:spPr>
+        <p:style>
+          <a:lnRef idx="1">
+            <a:schemeClr val="accent1"/>
+          </a:lnRef>
+          <a:fillRef idx="0">
+            <a:schemeClr val="accent1"/>
+          </a:fillRef>
+          <a:effectRef idx="0">
+            <a:schemeClr val="accent1"/>
+          </a:effectRef>
+          <a:fontRef idx="minor">
+            <a:schemeClr val="tx1"/>
+          </a:fontRef>
+        </p:style>
+      </p:cxnSp>
+      <p:cxnSp>
+        <p:nvCxnSpPr>
+          <p:cNvPr id="15" name="직선 화살표 연결선 14">
+            <a:extLst>
+              <a:ext uri="{FF2B5EF4-FFF2-40B4-BE49-F238E27FC236}">
+                <a16:creationId xmlns:a16="http://schemas.microsoft.com/office/drawing/2014/main" id="{B7FF3E64-F272-38A8-4E28-1934330F3486}"/>
+              </a:ext>
+            </a:extLst>
+          </p:cNvPr>
+          <p:cNvCxnSpPr>
+            <a:cxnSpLocks/>
+          </p:cNvCxnSpPr>
+          <p:nvPr/>
+        </p:nvCxnSpPr>
+        <p:spPr>
+          <a:xfrm flipH="1">
+            <a:off x="3749964" y="4160543"/>
+            <a:ext cx="4470400" cy="0"/>
+          </a:xfrm>
+          <a:prstGeom prst="straightConnector1">
+            <a:avLst/>
+          </a:prstGeom>
+          <a:ln w="76200">
+            <a:tailEnd type="triangle"/>
+          </a:ln>
+        </p:spPr>
+        <p:style>
+          <a:lnRef idx="1">
+            <a:schemeClr val="accent1"/>
+          </a:lnRef>
+          <a:fillRef idx="0">
+            <a:schemeClr val="accent1"/>
+          </a:fillRef>
+          <a:effectRef idx="0">
+            <a:schemeClr val="accent1"/>
+          </a:effectRef>
+          <a:fontRef idx="minor">
+            <a:schemeClr val="tx1"/>
+          </a:fontRef>
+        </p:style>
+      </p:cxnSp>
+      <p:sp>
+        <p:nvSpPr>
+          <p:cNvPr id="20" name="TextBox 19">
+            <a:extLst>
+              <a:ext uri="{FF2B5EF4-FFF2-40B4-BE49-F238E27FC236}">
+                <a16:creationId xmlns:a16="http://schemas.microsoft.com/office/drawing/2014/main" id="{ED71C5C4-C963-7DD7-5817-2F2C24F4468D}"/>
+              </a:ext>
+            </a:extLst>
+          </p:cNvPr>
+          <p:cNvSpPr txBox="1"/>
+          <p:nvPr/>
+        </p:nvSpPr>
+        <p:spPr>
+          <a:xfrm>
+            <a:off x="3533812" y="3707434"/>
+            <a:ext cx="1355051" cy="369332"/>
+          </a:xfrm>
+          <a:prstGeom prst="rect">
+            <a:avLst/>
+          </a:prstGeom>
+          <a:noFill/>
+        </p:spPr>
+        <p:txBody>
+          <a:bodyPr wrap="none" rtlCol="0">
+            <a:spAutoFit/>
+          </a:bodyPr>
+          <a:lstStyle/>
+          <a:p>
+            <a:r>
+              <a:rPr lang="en-US" altLang="ko-KR" dirty="0" err="1"/>
+              <a:t>InputStream</a:t>
+            </a:r>
+            <a:endParaRPr lang="ko-KR" altLang="en-US" dirty="0"/>
+          </a:p>
+        </p:txBody>
+      </p:sp>
+      <p:sp>
+        <p:nvSpPr>
+          <p:cNvPr id="21" name="TextBox 20">
+            <a:extLst>
+              <a:ext uri="{FF2B5EF4-FFF2-40B4-BE49-F238E27FC236}">
+                <a16:creationId xmlns:a16="http://schemas.microsoft.com/office/drawing/2014/main" id="{7BE7A621-153F-F349-63C9-D6D8106581F9}"/>
+              </a:ext>
+            </a:extLst>
+          </p:cNvPr>
+          <p:cNvSpPr txBox="1"/>
+          <p:nvPr/>
+        </p:nvSpPr>
+        <p:spPr>
+          <a:xfrm>
+            <a:off x="6872208" y="2604777"/>
+            <a:ext cx="1355051" cy="369332"/>
+          </a:xfrm>
+          <a:prstGeom prst="rect">
+            <a:avLst/>
+          </a:prstGeom>
+          <a:noFill/>
+        </p:spPr>
+        <p:txBody>
+          <a:bodyPr wrap="none" rtlCol="0">
+            <a:spAutoFit/>
+          </a:bodyPr>
+          <a:lstStyle/>
+          <a:p>
+            <a:r>
+              <a:rPr lang="en-US" altLang="ko-KR" dirty="0" err="1"/>
+              <a:t>InputStream</a:t>
+            </a:r>
+            <a:endParaRPr lang="ko-KR" altLang="en-US" dirty="0"/>
+          </a:p>
+        </p:txBody>
+      </p:sp>
+      <p:sp>
+        <p:nvSpPr>
+          <p:cNvPr id="22" name="TextBox 21">
+            <a:extLst>
+              <a:ext uri="{FF2B5EF4-FFF2-40B4-BE49-F238E27FC236}">
+                <a16:creationId xmlns:a16="http://schemas.microsoft.com/office/drawing/2014/main" id="{3BF7A59C-0DD6-901C-BEE7-5A2EA7397D14}"/>
+              </a:ext>
+            </a:extLst>
+          </p:cNvPr>
+          <p:cNvSpPr txBox="1"/>
+          <p:nvPr/>
+        </p:nvSpPr>
+        <p:spPr>
+          <a:xfrm>
+            <a:off x="6700687" y="3749323"/>
+            <a:ext cx="1526572" cy="369332"/>
+          </a:xfrm>
+          <a:prstGeom prst="rect">
+            <a:avLst/>
+          </a:prstGeom>
+          <a:noFill/>
+        </p:spPr>
+        <p:txBody>
+          <a:bodyPr wrap="none" rtlCol="0">
+            <a:spAutoFit/>
+          </a:bodyPr>
+          <a:lstStyle/>
+          <a:p>
+            <a:r>
+              <a:rPr lang="en-US" altLang="ko-KR" dirty="0" err="1"/>
+              <a:t>OutputStream</a:t>
+            </a:r>
+            <a:endParaRPr lang="ko-KR" altLang="en-US" dirty="0"/>
+          </a:p>
+        </p:txBody>
+      </p:sp>
+      <p:sp>
+        <p:nvSpPr>
+          <p:cNvPr id="23" name="TextBox 22">
+            <a:extLst>
+              <a:ext uri="{FF2B5EF4-FFF2-40B4-BE49-F238E27FC236}">
+                <a16:creationId xmlns:a16="http://schemas.microsoft.com/office/drawing/2014/main" id="{5CF50904-C1CD-A8FC-123C-53573D99BD12}"/>
+              </a:ext>
+            </a:extLst>
+          </p:cNvPr>
+          <p:cNvSpPr txBox="1"/>
+          <p:nvPr/>
+        </p:nvSpPr>
+        <p:spPr>
+          <a:xfrm>
+            <a:off x="3594358" y="2546927"/>
+            <a:ext cx="1526572" cy="369332"/>
+          </a:xfrm>
+          <a:prstGeom prst="rect">
+            <a:avLst/>
+          </a:prstGeom>
+          <a:noFill/>
+        </p:spPr>
+        <p:txBody>
+          <a:bodyPr wrap="none" rtlCol="0">
+            <a:spAutoFit/>
+          </a:bodyPr>
+          <a:lstStyle/>
+          <a:p>
+            <a:r>
+              <a:rPr lang="en-US" altLang="ko-KR" dirty="0" err="1"/>
+              <a:t>OutputStream</a:t>
+            </a:r>
+            <a:endParaRPr lang="ko-KR" altLang="en-US" dirty="0"/>
+          </a:p>
+        </p:txBody>
+      </p:sp>
+    </p:spTree>
+    <p:extLst>
+      <p:ext uri="{BB962C8B-B14F-4D97-AF65-F5344CB8AC3E}">
+        <p14:creationId xmlns:p14="http://schemas.microsoft.com/office/powerpoint/2010/main" val="3515671396"/>
+      </p:ext>
+    </p:extLst>
+  </p:cSld>
+  <p:clrMapOvr>
+    <a:masterClrMapping/>
+  </p:clrMapOvr>
+</p:sld>
+</file>
+
 <file path=ppt/theme/theme1.xml><?xml version="1.0" encoding="utf-8"?>
 <a:theme xmlns:a="http://schemas.openxmlformats.org/drawingml/2006/main" name="Office 테마">
   <a:themeElements>

--- a/doc/slides.pptx
+++ b/doc/slides.pptx
@@ -10,6 +10,7 @@
     <p:sldId id="258" r:id="rId4"/>
     <p:sldId id="259" r:id="rId5"/>
     <p:sldId id="260" r:id="rId6"/>
+    <p:sldId id="261" r:id="rId7"/>
   </p:sldIdLst>
   <p:sldSz cx="12192000" cy="6858000"/>
   <p:notesSz cx="6858000" cy="9144000"/>
@@ -302,7 +303,7 @@
           <a:lstStyle/>
           <a:p>
             <a:fld id="{31CAA46B-2303-054C-ABE8-D8274DAD4F84}" type="datetimeFigureOut">
-              <a:t>2023-06-20</a:t>
+              <a:t>2023-06-21</a:t>
             </a:fld>
             <a:endParaRPr kumimoji="1" lang="ko-Kore-KR" altLang="en-US"/>
           </a:p>
@@ -500,7 +501,7 @@
           <a:lstStyle/>
           <a:p>
             <a:fld id="{31CAA46B-2303-054C-ABE8-D8274DAD4F84}" type="datetimeFigureOut">
-              <a:t>2023-06-20</a:t>
+              <a:t>2023-06-21</a:t>
             </a:fld>
             <a:endParaRPr kumimoji="1" lang="ko-Kore-KR" altLang="en-US"/>
           </a:p>
@@ -708,7 +709,7 @@
           <a:lstStyle/>
           <a:p>
             <a:fld id="{31CAA46B-2303-054C-ABE8-D8274DAD4F84}" type="datetimeFigureOut">
-              <a:t>2023-06-20</a:t>
+              <a:t>2023-06-21</a:t>
             </a:fld>
             <a:endParaRPr kumimoji="1" lang="ko-Kore-KR" altLang="en-US"/>
           </a:p>
@@ -906,7 +907,7 @@
           <a:lstStyle/>
           <a:p>
             <a:fld id="{31CAA46B-2303-054C-ABE8-D8274DAD4F84}" type="datetimeFigureOut">
-              <a:t>2023-06-20</a:t>
+              <a:t>2023-06-21</a:t>
             </a:fld>
             <a:endParaRPr kumimoji="1" lang="ko-Kore-KR" altLang="en-US"/>
           </a:p>
@@ -1180,7 +1181,7 @@
           <a:lstStyle/>
           <a:p>
             <a:fld id="{31CAA46B-2303-054C-ABE8-D8274DAD4F84}" type="datetimeFigureOut">
-              <a:t>2023-06-20</a:t>
+              <a:t>2023-06-21</a:t>
             </a:fld>
             <a:endParaRPr kumimoji="1" lang="ko-Kore-KR" altLang="en-US"/>
           </a:p>
@@ -1446,7 +1447,7 @@
           <a:lstStyle/>
           <a:p>
             <a:fld id="{31CAA46B-2303-054C-ABE8-D8274DAD4F84}" type="datetimeFigureOut">
-              <a:t>2023-06-20</a:t>
+              <a:t>2023-06-21</a:t>
             </a:fld>
             <a:endParaRPr kumimoji="1" lang="ko-Kore-KR" altLang="en-US"/>
           </a:p>
@@ -1859,7 +1860,7 @@
           <a:lstStyle/>
           <a:p>
             <a:fld id="{31CAA46B-2303-054C-ABE8-D8274DAD4F84}" type="datetimeFigureOut">
-              <a:t>2023-06-20</a:t>
+              <a:t>2023-06-21</a:t>
             </a:fld>
             <a:endParaRPr kumimoji="1" lang="ko-Kore-KR" altLang="en-US"/>
           </a:p>
@@ -1999,7 +2000,7 @@
           <a:lstStyle/>
           <a:p>
             <a:fld id="{31CAA46B-2303-054C-ABE8-D8274DAD4F84}" type="datetimeFigureOut">
-              <a:t>2023-06-20</a:t>
+              <a:t>2023-06-21</a:t>
             </a:fld>
             <a:endParaRPr kumimoji="1" lang="ko-Kore-KR" altLang="en-US"/>
           </a:p>
@@ -2110,7 +2111,7 @@
           <a:lstStyle/>
           <a:p>
             <a:fld id="{31CAA46B-2303-054C-ABE8-D8274DAD4F84}" type="datetimeFigureOut">
-              <a:t>2023-06-20</a:t>
+              <a:t>2023-06-21</a:t>
             </a:fld>
             <a:endParaRPr kumimoji="1" lang="ko-Kore-KR" altLang="en-US"/>
           </a:p>
@@ -2421,7 +2422,7 @@
           <a:lstStyle/>
           <a:p>
             <a:fld id="{31CAA46B-2303-054C-ABE8-D8274DAD4F84}" type="datetimeFigureOut">
-              <a:t>2023-06-20</a:t>
+              <a:t>2023-06-21</a:t>
             </a:fld>
             <a:endParaRPr kumimoji="1" lang="ko-Kore-KR" altLang="en-US"/>
           </a:p>
@@ -2708,7 +2709,7 @@
           <a:lstStyle/>
           <a:p>
             <a:fld id="{31CAA46B-2303-054C-ABE8-D8274DAD4F84}" type="datetimeFigureOut">
-              <a:t>2023-06-20</a:t>
+              <a:t>2023-06-21</a:t>
             </a:fld>
             <a:endParaRPr kumimoji="1" lang="ko-Kore-KR" altLang="en-US"/>
           </a:p>
@@ -2949,7 +2950,7 @@
           </a:lstStyle>
           <a:p>
             <a:fld id="{31CAA46B-2303-054C-ABE8-D8274DAD4F84}" type="datetimeFigureOut">
-              <a:t>2023-06-20</a:t>
+              <a:t>2023-06-21</a:t>
             </a:fld>
             <a:endParaRPr kumimoji="1" lang="ko-Kore-KR" altLang="en-US"/>
           </a:p>
@@ -8043,8 +8044,8 @@
           </a:p>
         </p:txBody>
       </p:sp>
-      <mc:AlternateContent xmlns:mc="http://schemas.openxmlformats.org/markup-compatibility/2006">
-        <mc:Choice xmlns:p14="http://schemas.microsoft.com/office/powerpoint/2010/main" Requires="p14">
+      <mc:AlternateContent xmlns:mc="http://schemas.openxmlformats.org/markup-compatibility/2006" xmlns:p14="http://schemas.microsoft.com/office/powerpoint/2010/main">
+        <mc:Choice Requires="p14">
           <p:contentPart p14:bwMode="auto" r:id="rId2">
             <p14:nvContentPartPr>
               <p14:cNvPr id="11" name="잉크 10">
@@ -8063,7 +8064,7 @@
             </p14:xfrm>
           </p:contentPart>
         </mc:Choice>
-        <mc:Fallback>
+        <mc:Fallback xmlns="">
           <p:pic>
             <p:nvPicPr>
               <p:cNvPr id="11" name="잉크 10">
@@ -8322,6 +8323,1021 @@
     <p:extLst>
       <p:ext uri="{BB962C8B-B14F-4D97-AF65-F5344CB8AC3E}">
         <p14:creationId xmlns:p14="http://schemas.microsoft.com/office/powerpoint/2010/main" val="3515671396"/>
+      </p:ext>
+    </p:extLst>
+  </p:cSld>
+  <p:clrMapOvr>
+    <a:masterClrMapping/>
+  </p:clrMapOvr>
+</p:sld>
+</file>
+
+<file path=ppt/slides/slide6.xml><?xml version="1.0" encoding="utf-8"?>
+<p:sld xmlns:a="http://schemas.openxmlformats.org/drawingml/2006/main" xmlns:r="http://schemas.openxmlformats.org/officeDocument/2006/relationships" xmlns:p="http://schemas.openxmlformats.org/presentationml/2006/main">
+  <p:cSld>
+    <p:spTree>
+      <p:nvGrpSpPr>
+        <p:cNvPr id="1" name=""/>
+        <p:cNvGrpSpPr/>
+        <p:nvPr/>
+      </p:nvGrpSpPr>
+      <p:grpSpPr>
+        <a:xfrm>
+          <a:off x="0" y="0"/>
+          <a:ext cx="0" cy="0"/>
+          <a:chOff x="0" y="0"/>
+          <a:chExt cx="0" cy="0"/>
+        </a:xfrm>
+      </p:grpSpPr>
+      <p:sp>
+        <p:nvSpPr>
+          <p:cNvPr id="19" name="사각형: 둥근 모서리 18">
+            <a:extLst>
+              <a:ext uri="{FF2B5EF4-FFF2-40B4-BE49-F238E27FC236}">
+                <a16:creationId xmlns:a16="http://schemas.microsoft.com/office/drawing/2014/main" id="{206E1C3E-12C0-8E97-B52A-C159A1D86639}"/>
+              </a:ext>
+            </a:extLst>
+          </p:cNvPr>
+          <p:cNvSpPr/>
+          <p:nvPr/>
+        </p:nvSpPr>
+        <p:spPr>
+          <a:xfrm>
+            <a:off x="9171709" y="1154545"/>
+            <a:ext cx="2438400" cy="4304146"/>
+          </a:xfrm>
+          <a:prstGeom prst="roundRect">
+            <a:avLst>
+              <a:gd name="adj" fmla="val 4518"/>
+            </a:avLst>
+          </a:prstGeom>
+          <a:solidFill>
+            <a:schemeClr val="bg1">
+              <a:lumMod val="85000"/>
+            </a:schemeClr>
+          </a:solidFill>
+        </p:spPr>
+        <p:style>
+          <a:lnRef idx="2">
+            <a:schemeClr val="accent1">
+              <a:shade val="15000"/>
+            </a:schemeClr>
+          </a:lnRef>
+          <a:fillRef idx="1">
+            <a:schemeClr val="accent1"/>
+          </a:fillRef>
+          <a:effectRef idx="0">
+            <a:schemeClr val="accent1"/>
+          </a:effectRef>
+          <a:fontRef idx="minor">
+            <a:schemeClr val="lt1"/>
+          </a:fontRef>
+        </p:style>
+        <p:txBody>
+          <a:bodyPr rtlCol="0" anchor="ctr"/>
+          <a:lstStyle/>
+          <a:p>
+            <a:pPr algn="ctr"/>
+            <a:endParaRPr lang="ko-KR" altLang="en-US" dirty="0"/>
+          </a:p>
+        </p:txBody>
+      </p:sp>
+      <p:sp>
+        <p:nvSpPr>
+          <p:cNvPr id="5" name="사각형: 둥근 모서리 4">
+            <a:extLst>
+              <a:ext uri="{FF2B5EF4-FFF2-40B4-BE49-F238E27FC236}">
+                <a16:creationId xmlns:a16="http://schemas.microsoft.com/office/drawing/2014/main" id="{00C864AE-DD45-23E4-4193-9DD445542B43}"/>
+              </a:ext>
+            </a:extLst>
+          </p:cNvPr>
+          <p:cNvSpPr/>
+          <p:nvPr/>
+        </p:nvSpPr>
+        <p:spPr>
+          <a:xfrm>
+            <a:off x="581891" y="1154545"/>
+            <a:ext cx="2438400" cy="4304146"/>
+          </a:xfrm>
+          <a:prstGeom prst="roundRect">
+            <a:avLst>
+              <a:gd name="adj" fmla="val 4518"/>
+            </a:avLst>
+          </a:prstGeom>
+          <a:solidFill>
+            <a:schemeClr val="bg1">
+              <a:lumMod val="85000"/>
+            </a:schemeClr>
+          </a:solidFill>
+        </p:spPr>
+        <p:style>
+          <a:lnRef idx="2">
+            <a:schemeClr val="accent1">
+              <a:shade val="15000"/>
+            </a:schemeClr>
+          </a:lnRef>
+          <a:fillRef idx="1">
+            <a:schemeClr val="accent1"/>
+          </a:fillRef>
+          <a:effectRef idx="0">
+            <a:schemeClr val="accent1"/>
+          </a:effectRef>
+          <a:fontRef idx="minor">
+            <a:schemeClr val="lt1"/>
+          </a:fontRef>
+        </p:style>
+        <p:txBody>
+          <a:bodyPr rtlCol="0" anchor="ctr"/>
+          <a:lstStyle/>
+          <a:p>
+            <a:pPr algn="ctr"/>
+            <a:endParaRPr lang="ko-KR" altLang="en-US" dirty="0"/>
+          </a:p>
+        </p:txBody>
+      </p:sp>
+      <p:sp>
+        <p:nvSpPr>
+          <p:cNvPr id="6" name="TextBox 5">
+            <a:extLst>
+              <a:ext uri="{FF2B5EF4-FFF2-40B4-BE49-F238E27FC236}">
+                <a16:creationId xmlns:a16="http://schemas.microsoft.com/office/drawing/2014/main" id="{3CD6FF77-EDD2-09D5-EF3E-6574FBE17CAF}"/>
+              </a:ext>
+            </a:extLst>
+          </p:cNvPr>
+          <p:cNvSpPr txBox="1"/>
+          <p:nvPr/>
+        </p:nvSpPr>
+        <p:spPr>
+          <a:xfrm>
+            <a:off x="715818" y="1399309"/>
+            <a:ext cx="2170546" cy="400110"/>
+          </a:xfrm>
+          <a:prstGeom prst="rect">
+            <a:avLst/>
+          </a:prstGeom>
+          <a:noFill/>
+        </p:spPr>
+        <p:txBody>
+          <a:bodyPr wrap="square" rtlCol="0">
+            <a:spAutoFit/>
+          </a:bodyPr>
+          <a:lstStyle/>
+          <a:p>
+            <a:pPr algn="ctr"/>
+            <a:r>
+              <a:rPr lang="en-US" altLang="ko-KR" sz="2000" b="1" dirty="0"/>
+              <a:t>UDP</a:t>
+            </a:r>
+            <a:r>
+              <a:rPr lang="ko-KR" altLang="en-US" sz="2000" b="1" dirty="0"/>
+              <a:t> 클라이언트</a:t>
+            </a:r>
+          </a:p>
+        </p:txBody>
+      </p:sp>
+      <p:sp>
+        <p:nvSpPr>
+          <p:cNvPr id="7" name="사각형: 둥근 모서리 6">
+            <a:extLst>
+              <a:ext uri="{FF2B5EF4-FFF2-40B4-BE49-F238E27FC236}">
+                <a16:creationId xmlns:a16="http://schemas.microsoft.com/office/drawing/2014/main" id="{1ACE07AD-9BA1-BE9F-4187-D7847C86FC59}"/>
+              </a:ext>
+            </a:extLst>
+          </p:cNvPr>
+          <p:cNvSpPr/>
+          <p:nvPr/>
+        </p:nvSpPr>
+        <p:spPr>
+          <a:xfrm>
+            <a:off x="1967594" y="2319441"/>
+            <a:ext cx="1579170" cy="2691409"/>
+          </a:xfrm>
+          <a:prstGeom prst="roundRect">
+            <a:avLst>
+              <a:gd name="adj" fmla="val 4518"/>
+            </a:avLst>
+          </a:prstGeom>
+        </p:spPr>
+        <p:style>
+          <a:lnRef idx="2">
+            <a:schemeClr val="accent1">
+              <a:shade val="15000"/>
+            </a:schemeClr>
+          </a:lnRef>
+          <a:fillRef idx="1">
+            <a:schemeClr val="accent1"/>
+          </a:fillRef>
+          <a:effectRef idx="0">
+            <a:schemeClr val="accent1"/>
+          </a:effectRef>
+          <a:fontRef idx="minor">
+            <a:schemeClr val="lt1"/>
+          </a:fontRef>
+        </p:style>
+        <p:txBody>
+          <a:bodyPr rtlCol="0" anchor="ctr"/>
+          <a:lstStyle/>
+          <a:p>
+            <a:pPr algn="ctr"/>
+            <a:r>
+              <a:rPr lang="en-US" altLang="ko-KR" sz="2400" b="1" dirty="0"/>
+              <a:t>Datagram</a:t>
+            </a:r>
+            <a:br>
+              <a:rPr lang="en-US" altLang="ko-KR" sz="2400" b="1" dirty="0"/>
+            </a:br>
+            <a:r>
+              <a:rPr lang="en-US" altLang="ko-KR" sz="2400" b="1" dirty="0"/>
+              <a:t>Socket</a:t>
+            </a:r>
+            <a:endParaRPr lang="ko-KR" altLang="en-US" sz="2400" b="1" dirty="0"/>
+          </a:p>
+        </p:txBody>
+      </p:sp>
+      <p:sp>
+        <p:nvSpPr>
+          <p:cNvPr id="8" name="직사각형 7">
+            <a:extLst>
+              <a:ext uri="{FF2B5EF4-FFF2-40B4-BE49-F238E27FC236}">
+                <a16:creationId xmlns:a16="http://schemas.microsoft.com/office/drawing/2014/main" id="{D88279C9-4565-0B6D-BAF5-B31680008A2C}"/>
+              </a:ext>
+            </a:extLst>
+          </p:cNvPr>
+          <p:cNvSpPr/>
+          <p:nvPr/>
+        </p:nvSpPr>
+        <p:spPr>
+          <a:xfrm>
+            <a:off x="4856049" y="3512188"/>
+            <a:ext cx="2650837" cy="480291"/>
+          </a:xfrm>
+          <a:prstGeom prst="rect">
+            <a:avLst/>
+          </a:prstGeom>
+          <a:noFill/>
+        </p:spPr>
+        <p:style>
+          <a:lnRef idx="2">
+            <a:schemeClr val="accent1">
+              <a:shade val="15000"/>
+            </a:schemeClr>
+          </a:lnRef>
+          <a:fillRef idx="1">
+            <a:schemeClr val="accent1"/>
+          </a:fillRef>
+          <a:effectRef idx="0">
+            <a:schemeClr val="accent1"/>
+          </a:effectRef>
+          <a:fontRef idx="minor">
+            <a:schemeClr val="lt1"/>
+          </a:fontRef>
+        </p:style>
+        <p:txBody>
+          <a:bodyPr rtlCol="0" anchor="ctr"/>
+          <a:lstStyle/>
+          <a:p>
+            <a:pPr algn="ctr"/>
+            <a:r>
+              <a:rPr lang="en-US" altLang="ko-KR" dirty="0" err="1">
+                <a:solidFill>
+                  <a:schemeClr val="tx1"/>
+                </a:solidFill>
+              </a:rPr>
+              <a:t>DatagramPacket</a:t>
+            </a:r>
+            <a:endParaRPr lang="ko-KR" altLang="en-US" dirty="0">
+              <a:solidFill>
+                <a:schemeClr val="tx1"/>
+              </a:solidFill>
+            </a:endParaRPr>
+          </a:p>
+        </p:txBody>
+      </p:sp>
+      <p:sp>
+        <p:nvSpPr>
+          <p:cNvPr id="12" name="TextBox 11">
+            <a:extLst>
+              <a:ext uri="{FF2B5EF4-FFF2-40B4-BE49-F238E27FC236}">
+                <a16:creationId xmlns:a16="http://schemas.microsoft.com/office/drawing/2014/main" id="{207F27C0-4ACE-1A8A-381A-68D60A022890}"/>
+              </a:ext>
+            </a:extLst>
+          </p:cNvPr>
+          <p:cNvSpPr txBox="1"/>
+          <p:nvPr/>
+        </p:nvSpPr>
+        <p:spPr>
+          <a:xfrm>
+            <a:off x="3906981" y="2231587"/>
+            <a:ext cx="646331" cy="369332"/>
+          </a:xfrm>
+          <a:prstGeom prst="rect">
+            <a:avLst/>
+          </a:prstGeom>
+          <a:noFill/>
+        </p:spPr>
+        <p:txBody>
+          <a:bodyPr wrap="none" rtlCol="0">
+            <a:spAutoFit/>
+          </a:bodyPr>
+          <a:lstStyle/>
+          <a:p>
+            <a:r>
+              <a:rPr lang="ko-KR" altLang="en-US" dirty="0"/>
+              <a:t>발신</a:t>
+            </a:r>
+          </a:p>
+        </p:txBody>
+      </p:sp>
+      <p:sp>
+        <p:nvSpPr>
+          <p:cNvPr id="14" name="TextBox 13">
+            <a:extLst>
+              <a:ext uri="{FF2B5EF4-FFF2-40B4-BE49-F238E27FC236}">
+                <a16:creationId xmlns:a16="http://schemas.microsoft.com/office/drawing/2014/main" id="{0A3F9BA8-78D0-EA2C-EF86-6854C846BE80}"/>
+              </a:ext>
+            </a:extLst>
+          </p:cNvPr>
+          <p:cNvSpPr txBox="1"/>
+          <p:nvPr/>
+        </p:nvSpPr>
+        <p:spPr>
+          <a:xfrm>
+            <a:off x="7668906" y="2198317"/>
+            <a:ext cx="646331" cy="369332"/>
+          </a:xfrm>
+          <a:prstGeom prst="rect">
+            <a:avLst/>
+          </a:prstGeom>
+          <a:noFill/>
+        </p:spPr>
+        <p:txBody>
+          <a:bodyPr wrap="none" rtlCol="0">
+            <a:spAutoFit/>
+          </a:bodyPr>
+          <a:lstStyle/>
+          <a:p>
+            <a:r>
+              <a:rPr lang="ko-KR" altLang="en-US" dirty="0"/>
+              <a:t>수신</a:t>
+            </a:r>
+          </a:p>
+        </p:txBody>
+      </p:sp>
+      <p:cxnSp>
+        <p:nvCxnSpPr>
+          <p:cNvPr id="15" name="직선 화살표 연결선 14">
+            <a:extLst>
+              <a:ext uri="{FF2B5EF4-FFF2-40B4-BE49-F238E27FC236}">
+                <a16:creationId xmlns:a16="http://schemas.microsoft.com/office/drawing/2014/main" id="{DBB55B68-3A9B-B99F-6FA4-8E58F238699D}"/>
+              </a:ext>
+            </a:extLst>
+          </p:cNvPr>
+          <p:cNvCxnSpPr>
+            <a:cxnSpLocks/>
+          </p:cNvCxnSpPr>
+          <p:nvPr/>
+        </p:nvCxnSpPr>
+        <p:spPr>
+          <a:xfrm>
+            <a:off x="7506886" y="2657826"/>
+            <a:ext cx="1286132" cy="0"/>
+          </a:xfrm>
+          <a:prstGeom prst="straightConnector1">
+            <a:avLst/>
+          </a:prstGeom>
+          <a:ln w="28575">
+            <a:tailEnd type="triangle"/>
+          </a:ln>
+        </p:spPr>
+        <p:style>
+          <a:lnRef idx="1">
+            <a:schemeClr val="accent1"/>
+          </a:lnRef>
+          <a:fillRef idx="0">
+            <a:schemeClr val="accent1"/>
+          </a:fillRef>
+          <a:effectRef idx="0">
+            <a:schemeClr val="accent1"/>
+          </a:effectRef>
+          <a:fontRef idx="minor">
+            <a:schemeClr val="tx1"/>
+          </a:fontRef>
+        </p:style>
+      </p:cxnSp>
+      <p:sp>
+        <p:nvSpPr>
+          <p:cNvPr id="18" name="사각형: 둥근 모서리 17">
+            <a:extLst>
+              <a:ext uri="{FF2B5EF4-FFF2-40B4-BE49-F238E27FC236}">
+                <a16:creationId xmlns:a16="http://schemas.microsoft.com/office/drawing/2014/main" id="{B891138C-DCB0-05BE-CA94-B28E5F7E67B1}"/>
+              </a:ext>
+            </a:extLst>
+          </p:cNvPr>
+          <p:cNvSpPr/>
+          <p:nvPr/>
+        </p:nvSpPr>
+        <p:spPr>
+          <a:xfrm>
+            <a:off x="8816171" y="2319441"/>
+            <a:ext cx="1579170" cy="2691409"/>
+          </a:xfrm>
+          <a:prstGeom prst="roundRect">
+            <a:avLst>
+              <a:gd name="adj" fmla="val 4518"/>
+            </a:avLst>
+          </a:prstGeom>
+        </p:spPr>
+        <p:style>
+          <a:lnRef idx="2">
+            <a:schemeClr val="accent1">
+              <a:shade val="15000"/>
+            </a:schemeClr>
+          </a:lnRef>
+          <a:fillRef idx="1">
+            <a:schemeClr val="accent1"/>
+          </a:fillRef>
+          <a:effectRef idx="0">
+            <a:schemeClr val="accent1"/>
+          </a:effectRef>
+          <a:fontRef idx="minor">
+            <a:schemeClr val="lt1"/>
+          </a:fontRef>
+        </p:style>
+        <p:txBody>
+          <a:bodyPr rtlCol="0" anchor="ctr"/>
+          <a:lstStyle/>
+          <a:p>
+            <a:pPr algn="ctr"/>
+            <a:r>
+              <a:rPr lang="en-US" altLang="ko-KR" sz="2400" b="1" dirty="0"/>
+              <a:t>Datagram</a:t>
+            </a:r>
+            <a:br>
+              <a:rPr lang="en-US" altLang="ko-KR" sz="2400" b="1" dirty="0"/>
+            </a:br>
+            <a:r>
+              <a:rPr lang="en-US" altLang="ko-KR" sz="2400" b="1" dirty="0"/>
+              <a:t>Socket</a:t>
+            </a:r>
+            <a:endParaRPr lang="ko-KR" altLang="en-US" sz="2400" b="1" dirty="0"/>
+          </a:p>
+        </p:txBody>
+      </p:sp>
+      <p:sp>
+        <p:nvSpPr>
+          <p:cNvPr id="20" name="TextBox 19">
+            <a:extLst>
+              <a:ext uri="{FF2B5EF4-FFF2-40B4-BE49-F238E27FC236}">
+                <a16:creationId xmlns:a16="http://schemas.microsoft.com/office/drawing/2014/main" id="{1B40D322-6952-D262-B7F7-071E964A4A4D}"/>
+              </a:ext>
+            </a:extLst>
+          </p:cNvPr>
+          <p:cNvSpPr txBox="1"/>
+          <p:nvPr/>
+        </p:nvSpPr>
+        <p:spPr>
+          <a:xfrm>
+            <a:off x="9305636" y="1336883"/>
+            <a:ext cx="2170546" cy="400110"/>
+          </a:xfrm>
+          <a:prstGeom prst="rect">
+            <a:avLst/>
+          </a:prstGeom>
+          <a:noFill/>
+        </p:spPr>
+        <p:txBody>
+          <a:bodyPr wrap="square" rtlCol="0">
+            <a:spAutoFit/>
+          </a:bodyPr>
+          <a:lstStyle/>
+          <a:p>
+            <a:pPr algn="ctr"/>
+            <a:r>
+              <a:rPr lang="en-US" altLang="ko-KR" sz="2000" b="1" dirty="0"/>
+              <a:t>UDP</a:t>
+            </a:r>
+            <a:r>
+              <a:rPr lang="ko-KR" altLang="en-US" sz="2000" b="1" dirty="0"/>
+              <a:t> 서버</a:t>
+            </a:r>
+          </a:p>
+        </p:txBody>
+      </p:sp>
+      <p:sp>
+        <p:nvSpPr>
+          <p:cNvPr id="21" name="TextBox 20">
+            <a:extLst>
+              <a:ext uri="{FF2B5EF4-FFF2-40B4-BE49-F238E27FC236}">
+                <a16:creationId xmlns:a16="http://schemas.microsoft.com/office/drawing/2014/main" id="{97816CC7-2AA9-35D1-B1B3-CED06F8DD795}"/>
+              </a:ext>
+            </a:extLst>
+          </p:cNvPr>
+          <p:cNvSpPr txBox="1"/>
+          <p:nvPr/>
+        </p:nvSpPr>
+        <p:spPr>
+          <a:xfrm>
+            <a:off x="581891" y="387927"/>
+            <a:ext cx="2243499" cy="400110"/>
+          </a:xfrm>
+          <a:prstGeom prst="rect">
+            <a:avLst/>
+          </a:prstGeom>
+          <a:noFill/>
+        </p:spPr>
+        <p:txBody>
+          <a:bodyPr wrap="none" rtlCol="0">
+            <a:spAutoFit/>
+          </a:bodyPr>
+          <a:lstStyle/>
+          <a:p>
+            <a:r>
+              <a:rPr lang="en-US" altLang="ko-KR" sz="2000" b="1" dirty="0"/>
+              <a:t>Java</a:t>
+            </a:r>
+            <a:r>
+              <a:rPr lang="ko-KR" altLang="en-US" sz="2000" b="1" dirty="0"/>
+              <a:t> </a:t>
+            </a:r>
+            <a:r>
+              <a:rPr lang="en-US" altLang="ko-KR" sz="2000" b="1" dirty="0"/>
+              <a:t>UDP</a:t>
+            </a:r>
+            <a:r>
+              <a:rPr lang="ko-KR" altLang="en-US" sz="2000" b="1" dirty="0"/>
+              <a:t> 네트워킹</a:t>
+            </a:r>
+          </a:p>
+        </p:txBody>
+      </p:sp>
+      <p:sp>
+        <p:nvSpPr>
+          <p:cNvPr id="22" name="직사각형 21">
+            <a:extLst>
+              <a:ext uri="{FF2B5EF4-FFF2-40B4-BE49-F238E27FC236}">
+                <a16:creationId xmlns:a16="http://schemas.microsoft.com/office/drawing/2014/main" id="{063A69DC-7A35-3997-BC1E-3ECC4FBDB47C}"/>
+              </a:ext>
+            </a:extLst>
+          </p:cNvPr>
+          <p:cNvSpPr/>
+          <p:nvPr/>
+        </p:nvSpPr>
+        <p:spPr>
+          <a:xfrm>
+            <a:off x="4828339" y="2440649"/>
+            <a:ext cx="2650837" cy="480291"/>
+          </a:xfrm>
+          <a:prstGeom prst="rect">
+            <a:avLst/>
+          </a:prstGeom>
+          <a:noFill/>
+        </p:spPr>
+        <p:style>
+          <a:lnRef idx="2">
+            <a:schemeClr val="accent1">
+              <a:shade val="15000"/>
+            </a:schemeClr>
+          </a:lnRef>
+          <a:fillRef idx="1">
+            <a:schemeClr val="accent1"/>
+          </a:fillRef>
+          <a:effectRef idx="0">
+            <a:schemeClr val="accent1"/>
+          </a:effectRef>
+          <a:fontRef idx="minor">
+            <a:schemeClr val="lt1"/>
+          </a:fontRef>
+        </p:style>
+        <p:txBody>
+          <a:bodyPr rtlCol="0" anchor="ctr"/>
+          <a:lstStyle/>
+          <a:p>
+            <a:pPr algn="ctr"/>
+            <a:r>
+              <a:rPr lang="en-US" altLang="ko-KR" dirty="0" err="1">
+                <a:solidFill>
+                  <a:schemeClr val="tx1"/>
+                </a:solidFill>
+              </a:rPr>
+              <a:t>DatagramPacket</a:t>
+            </a:r>
+            <a:endParaRPr lang="ko-KR" altLang="en-US" dirty="0">
+              <a:solidFill>
+                <a:schemeClr val="tx1"/>
+              </a:solidFill>
+            </a:endParaRPr>
+          </a:p>
+        </p:txBody>
+      </p:sp>
+      <p:sp>
+        <p:nvSpPr>
+          <p:cNvPr id="23" name="직사각형 22">
+            <a:extLst>
+              <a:ext uri="{FF2B5EF4-FFF2-40B4-BE49-F238E27FC236}">
+                <a16:creationId xmlns:a16="http://schemas.microsoft.com/office/drawing/2014/main" id="{2E911545-3A47-94FE-75DC-D1D15E090BAA}"/>
+              </a:ext>
+            </a:extLst>
+          </p:cNvPr>
+          <p:cNvSpPr/>
+          <p:nvPr/>
+        </p:nvSpPr>
+        <p:spPr>
+          <a:xfrm>
+            <a:off x="4856049" y="4318122"/>
+            <a:ext cx="2650837" cy="480291"/>
+          </a:xfrm>
+          <a:prstGeom prst="rect">
+            <a:avLst/>
+          </a:prstGeom>
+          <a:noFill/>
+        </p:spPr>
+        <p:style>
+          <a:lnRef idx="2">
+            <a:schemeClr val="accent1">
+              <a:shade val="15000"/>
+            </a:schemeClr>
+          </a:lnRef>
+          <a:fillRef idx="1">
+            <a:schemeClr val="accent1"/>
+          </a:fillRef>
+          <a:effectRef idx="0">
+            <a:schemeClr val="accent1"/>
+          </a:effectRef>
+          <a:fontRef idx="minor">
+            <a:schemeClr val="lt1"/>
+          </a:fontRef>
+        </p:style>
+        <p:txBody>
+          <a:bodyPr rtlCol="0" anchor="ctr"/>
+          <a:lstStyle/>
+          <a:p>
+            <a:pPr algn="ctr"/>
+            <a:r>
+              <a:rPr lang="en-US" altLang="ko-KR" dirty="0" err="1">
+                <a:solidFill>
+                  <a:schemeClr val="tx1"/>
+                </a:solidFill>
+              </a:rPr>
+              <a:t>DatagramPacket</a:t>
+            </a:r>
+            <a:endParaRPr lang="ko-KR" altLang="en-US" dirty="0">
+              <a:solidFill>
+                <a:schemeClr val="tx1"/>
+              </a:solidFill>
+            </a:endParaRPr>
+          </a:p>
+        </p:txBody>
+      </p:sp>
+      <p:cxnSp>
+        <p:nvCxnSpPr>
+          <p:cNvPr id="24" name="직선 화살표 연결선 23">
+            <a:extLst>
+              <a:ext uri="{FF2B5EF4-FFF2-40B4-BE49-F238E27FC236}">
+                <a16:creationId xmlns:a16="http://schemas.microsoft.com/office/drawing/2014/main" id="{39D1B8B6-A20F-4567-D58F-7C0143DFE328}"/>
+              </a:ext>
+            </a:extLst>
+          </p:cNvPr>
+          <p:cNvCxnSpPr>
+            <a:cxnSpLocks/>
+          </p:cNvCxnSpPr>
+          <p:nvPr/>
+        </p:nvCxnSpPr>
+        <p:spPr>
+          <a:xfrm>
+            <a:off x="3306403" y="2664692"/>
+            <a:ext cx="1549646" cy="0"/>
+          </a:xfrm>
+          <a:prstGeom prst="straightConnector1">
+            <a:avLst/>
+          </a:prstGeom>
+          <a:ln w="28575">
+            <a:tailEnd type="triangle"/>
+          </a:ln>
+        </p:spPr>
+        <p:style>
+          <a:lnRef idx="1">
+            <a:schemeClr val="accent1"/>
+          </a:lnRef>
+          <a:fillRef idx="0">
+            <a:schemeClr val="accent1"/>
+          </a:fillRef>
+          <a:effectRef idx="0">
+            <a:schemeClr val="accent1"/>
+          </a:effectRef>
+          <a:fontRef idx="minor">
+            <a:schemeClr val="tx1"/>
+          </a:fontRef>
+        </p:style>
+      </p:cxnSp>
+      <p:cxnSp>
+        <p:nvCxnSpPr>
+          <p:cNvPr id="26" name="직선 화살표 연결선 25">
+            <a:extLst>
+              <a:ext uri="{FF2B5EF4-FFF2-40B4-BE49-F238E27FC236}">
+                <a16:creationId xmlns:a16="http://schemas.microsoft.com/office/drawing/2014/main" id="{E2EF6749-1F3C-82F8-76CF-EAE8A352548C}"/>
+              </a:ext>
+            </a:extLst>
+          </p:cNvPr>
+          <p:cNvCxnSpPr>
+            <a:cxnSpLocks/>
+            <a:endCxn id="8" idx="3"/>
+          </p:cNvCxnSpPr>
+          <p:nvPr/>
+        </p:nvCxnSpPr>
+        <p:spPr>
+          <a:xfrm flipH="1">
+            <a:off x="7506886" y="3752334"/>
+            <a:ext cx="1309285" cy="0"/>
+          </a:xfrm>
+          <a:prstGeom prst="straightConnector1">
+            <a:avLst/>
+          </a:prstGeom>
+          <a:ln w="28575">
+            <a:tailEnd type="triangle"/>
+          </a:ln>
+        </p:spPr>
+        <p:style>
+          <a:lnRef idx="1">
+            <a:schemeClr val="accent1"/>
+          </a:lnRef>
+          <a:fillRef idx="0">
+            <a:schemeClr val="accent1"/>
+          </a:fillRef>
+          <a:effectRef idx="0">
+            <a:schemeClr val="accent1"/>
+          </a:effectRef>
+          <a:fontRef idx="minor">
+            <a:schemeClr val="tx1"/>
+          </a:fontRef>
+        </p:style>
+      </p:cxnSp>
+      <p:cxnSp>
+        <p:nvCxnSpPr>
+          <p:cNvPr id="32" name="직선 화살표 연결선 31">
+            <a:extLst>
+              <a:ext uri="{FF2B5EF4-FFF2-40B4-BE49-F238E27FC236}">
+                <a16:creationId xmlns:a16="http://schemas.microsoft.com/office/drawing/2014/main" id="{692BA477-9932-597B-E327-E1E0E44A50C9}"/>
+              </a:ext>
+            </a:extLst>
+          </p:cNvPr>
+          <p:cNvCxnSpPr>
+            <a:cxnSpLocks/>
+          </p:cNvCxnSpPr>
+          <p:nvPr/>
+        </p:nvCxnSpPr>
+        <p:spPr>
+          <a:xfrm flipH="1">
+            <a:off x="3546764" y="3736231"/>
+            <a:ext cx="1309285" cy="0"/>
+          </a:xfrm>
+          <a:prstGeom prst="straightConnector1">
+            <a:avLst/>
+          </a:prstGeom>
+          <a:ln w="28575">
+            <a:tailEnd type="triangle"/>
+          </a:ln>
+        </p:spPr>
+        <p:style>
+          <a:lnRef idx="1">
+            <a:schemeClr val="accent1"/>
+          </a:lnRef>
+          <a:fillRef idx="0">
+            <a:schemeClr val="accent1"/>
+          </a:fillRef>
+          <a:effectRef idx="0">
+            <a:schemeClr val="accent1"/>
+          </a:effectRef>
+          <a:fontRef idx="minor">
+            <a:schemeClr val="tx1"/>
+          </a:fontRef>
+        </p:style>
+      </p:cxnSp>
+      <p:cxnSp>
+        <p:nvCxnSpPr>
+          <p:cNvPr id="33" name="직선 화살표 연결선 32">
+            <a:extLst>
+              <a:ext uri="{FF2B5EF4-FFF2-40B4-BE49-F238E27FC236}">
+                <a16:creationId xmlns:a16="http://schemas.microsoft.com/office/drawing/2014/main" id="{A9805C50-E35D-06A7-E9B3-9484E440352B}"/>
+              </a:ext>
+            </a:extLst>
+          </p:cNvPr>
+          <p:cNvCxnSpPr>
+            <a:cxnSpLocks/>
+          </p:cNvCxnSpPr>
+          <p:nvPr/>
+        </p:nvCxnSpPr>
+        <p:spPr>
+          <a:xfrm flipH="1">
+            <a:off x="7506886" y="4542165"/>
+            <a:ext cx="1309285" cy="0"/>
+          </a:xfrm>
+          <a:prstGeom prst="straightConnector1">
+            <a:avLst/>
+          </a:prstGeom>
+          <a:ln w="28575">
+            <a:tailEnd type="triangle"/>
+          </a:ln>
+        </p:spPr>
+        <p:style>
+          <a:lnRef idx="1">
+            <a:schemeClr val="accent1"/>
+          </a:lnRef>
+          <a:fillRef idx="0">
+            <a:schemeClr val="accent1"/>
+          </a:fillRef>
+          <a:effectRef idx="0">
+            <a:schemeClr val="accent1"/>
+          </a:effectRef>
+          <a:fontRef idx="minor">
+            <a:schemeClr val="tx1"/>
+          </a:fontRef>
+        </p:style>
+      </p:cxnSp>
+      <p:cxnSp>
+        <p:nvCxnSpPr>
+          <p:cNvPr id="34" name="직선 화살표 연결선 33">
+            <a:extLst>
+              <a:ext uri="{FF2B5EF4-FFF2-40B4-BE49-F238E27FC236}">
+                <a16:creationId xmlns:a16="http://schemas.microsoft.com/office/drawing/2014/main" id="{5A6B6A71-5055-4B87-66F4-E0277B82CC40}"/>
+              </a:ext>
+            </a:extLst>
+          </p:cNvPr>
+          <p:cNvCxnSpPr>
+            <a:cxnSpLocks/>
+          </p:cNvCxnSpPr>
+          <p:nvPr/>
+        </p:nvCxnSpPr>
+        <p:spPr>
+          <a:xfrm flipH="1">
+            <a:off x="3546764" y="4526062"/>
+            <a:ext cx="1309285" cy="0"/>
+          </a:xfrm>
+          <a:prstGeom prst="straightConnector1">
+            <a:avLst/>
+          </a:prstGeom>
+          <a:ln w="28575">
+            <a:tailEnd type="triangle"/>
+          </a:ln>
+        </p:spPr>
+        <p:style>
+          <a:lnRef idx="1">
+            <a:schemeClr val="accent1"/>
+          </a:lnRef>
+          <a:fillRef idx="0">
+            <a:schemeClr val="accent1"/>
+          </a:fillRef>
+          <a:effectRef idx="0">
+            <a:schemeClr val="accent1"/>
+          </a:effectRef>
+          <a:fontRef idx="minor">
+            <a:schemeClr val="tx1"/>
+          </a:fontRef>
+        </p:style>
+      </p:cxnSp>
+      <p:sp>
+        <p:nvSpPr>
+          <p:cNvPr id="35" name="TextBox 34">
+            <a:extLst>
+              <a:ext uri="{FF2B5EF4-FFF2-40B4-BE49-F238E27FC236}">
+                <a16:creationId xmlns:a16="http://schemas.microsoft.com/office/drawing/2014/main" id="{BA402136-EE6D-841E-2098-017ABAA0C521}"/>
+              </a:ext>
+            </a:extLst>
+          </p:cNvPr>
+          <p:cNvSpPr txBox="1"/>
+          <p:nvPr/>
+        </p:nvSpPr>
+        <p:spPr>
+          <a:xfrm>
+            <a:off x="7717027" y="3306618"/>
+            <a:ext cx="646331" cy="369332"/>
+          </a:xfrm>
+          <a:prstGeom prst="rect">
+            <a:avLst/>
+          </a:prstGeom>
+          <a:noFill/>
+        </p:spPr>
+        <p:txBody>
+          <a:bodyPr wrap="none" rtlCol="0">
+            <a:spAutoFit/>
+          </a:bodyPr>
+          <a:lstStyle/>
+          <a:p>
+            <a:r>
+              <a:rPr lang="ko-KR" altLang="en-US" dirty="0"/>
+              <a:t>발신</a:t>
+            </a:r>
+          </a:p>
+        </p:txBody>
+      </p:sp>
+      <p:sp>
+        <p:nvSpPr>
+          <p:cNvPr id="36" name="TextBox 35">
+            <a:extLst>
+              <a:ext uri="{FF2B5EF4-FFF2-40B4-BE49-F238E27FC236}">
+                <a16:creationId xmlns:a16="http://schemas.microsoft.com/office/drawing/2014/main" id="{F36B5500-6C62-ED47-155A-C70DE8B1D233}"/>
+              </a:ext>
+            </a:extLst>
+          </p:cNvPr>
+          <p:cNvSpPr txBox="1"/>
+          <p:nvPr/>
+        </p:nvSpPr>
+        <p:spPr>
+          <a:xfrm>
+            <a:off x="7773977" y="4117355"/>
+            <a:ext cx="646331" cy="369332"/>
+          </a:xfrm>
+          <a:prstGeom prst="rect">
+            <a:avLst/>
+          </a:prstGeom>
+          <a:noFill/>
+        </p:spPr>
+        <p:txBody>
+          <a:bodyPr wrap="none" rtlCol="0">
+            <a:spAutoFit/>
+          </a:bodyPr>
+          <a:lstStyle/>
+          <a:p>
+            <a:r>
+              <a:rPr lang="ko-KR" altLang="en-US" dirty="0"/>
+              <a:t>발신</a:t>
+            </a:r>
+          </a:p>
+        </p:txBody>
+      </p:sp>
+      <p:sp>
+        <p:nvSpPr>
+          <p:cNvPr id="37" name="TextBox 36">
+            <a:extLst>
+              <a:ext uri="{FF2B5EF4-FFF2-40B4-BE49-F238E27FC236}">
+                <a16:creationId xmlns:a16="http://schemas.microsoft.com/office/drawing/2014/main" id="{85069B81-61C8-8C3E-4CDC-84E8DB7E6A23}"/>
+              </a:ext>
+            </a:extLst>
+          </p:cNvPr>
+          <p:cNvSpPr txBox="1"/>
+          <p:nvPr/>
+        </p:nvSpPr>
+        <p:spPr>
+          <a:xfrm>
+            <a:off x="3830982" y="3317378"/>
+            <a:ext cx="646331" cy="369332"/>
+          </a:xfrm>
+          <a:prstGeom prst="rect">
+            <a:avLst/>
+          </a:prstGeom>
+          <a:noFill/>
+        </p:spPr>
+        <p:txBody>
+          <a:bodyPr wrap="none" rtlCol="0">
+            <a:spAutoFit/>
+          </a:bodyPr>
+          <a:lstStyle/>
+          <a:p>
+            <a:r>
+              <a:rPr lang="ko-KR" altLang="en-US" dirty="0"/>
+              <a:t>수신</a:t>
+            </a:r>
+          </a:p>
+        </p:txBody>
+      </p:sp>
+      <p:sp>
+        <p:nvSpPr>
+          <p:cNvPr id="38" name="TextBox 37">
+            <a:extLst>
+              <a:ext uri="{FF2B5EF4-FFF2-40B4-BE49-F238E27FC236}">
+                <a16:creationId xmlns:a16="http://schemas.microsoft.com/office/drawing/2014/main" id="{9A581677-052B-3012-1477-30EEE37C1545}"/>
+              </a:ext>
+            </a:extLst>
+          </p:cNvPr>
+          <p:cNvSpPr txBox="1"/>
+          <p:nvPr/>
+        </p:nvSpPr>
+        <p:spPr>
+          <a:xfrm>
+            <a:off x="3835770" y="4107208"/>
+            <a:ext cx="646331" cy="369332"/>
+          </a:xfrm>
+          <a:prstGeom prst="rect">
+            <a:avLst/>
+          </a:prstGeom>
+          <a:noFill/>
+        </p:spPr>
+        <p:txBody>
+          <a:bodyPr wrap="none" rtlCol="0">
+            <a:spAutoFit/>
+          </a:bodyPr>
+          <a:lstStyle/>
+          <a:p>
+            <a:r>
+              <a:rPr lang="ko-KR" altLang="en-US" dirty="0"/>
+              <a:t>수신</a:t>
+            </a:r>
+          </a:p>
+        </p:txBody>
+      </p:sp>
+    </p:spTree>
+    <p:extLst>
+      <p:ext uri="{BB962C8B-B14F-4D97-AF65-F5344CB8AC3E}">
+        <p14:creationId xmlns:p14="http://schemas.microsoft.com/office/powerpoint/2010/main" val="835339138"/>
       </p:ext>
     </p:extLst>
   </p:cSld>
